--- a/cs2620/slides/cs2620_notes11.pptx
+++ b/cs2620/slides/cs2620_notes11.pptx
@@ -181,6 +181,75 @@
 <file path=ppt/changesInfos/changesInfo1.xml><?xml version="1.0" encoding="utf-8"?>
 <pc:chgInfo xmlns:a="http://schemas.openxmlformats.org/drawingml/2006/main" xmlns:r="http://schemas.openxmlformats.org/officeDocument/2006/relationships" xmlns:ac="http://schemas.microsoft.com/office/drawing/2013/main/command" xmlns:pc="http://schemas.microsoft.com/office/powerpoint/2013/main/command">
   <pc:docChgLst>
+    <pc:chgData name="Lin  Chen" userId="5b8d33d8-9b1a-4612-8f39-9bee1ddd9437" providerId="ADAL" clId="{93BA1E31-8175-4140-A759-95F8F332199D}"/>
+    <pc:docChg chg="modSld">
+      <pc:chgData name="Lin  Chen" userId="5b8d33d8-9b1a-4612-8f39-9bee1ddd9437" providerId="ADAL" clId="{93BA1E31-8175-4140-A759-95F8F332199D}" dt="2020-11-10T18:09:05.993" v="12" actId="207"/>
+      <pc:docMkLst>
+        <pc:docMk/>
+      </pc:docMkLst>
+      <pc:sldChg chg="modSp mod">
+        <pc:chgData name="Lin  Chen" userId="5b8d33d8-9b1a-4612-8f39-9bee1ddd9437" providerId="ADAL" clId="{93BA1E31-8175-4140-A759-95F8F332199D}" dt="2020-11-10T17:44:56.284" v="1" actId="207"/>
+        <pc:sldMkLst>
+          <pc:docMk/>
+          <pc:sldMk cId="2437939579" sldId="395"/>
+        </pc:sldMkLst>
+        <pc:spChg chg="mod">
+          <ac:chgData name="Lin  Chen" userId="5b8d33d8-9b1a-4612-8f39-9bee1ddd9437" providerId="ADAL" clId="{93BA1E31-8175-4140-A759-95F8F332199D}" dt="2020-11-10T17:44:56.284" v="1" actId="207"/>
+          <ac:spMkLst>
+            <pc:docMk/>
+            <pc:sldMk cId="2437939579" sldId="395"/>
+            <ac:spMk id="3" creationId="{00000000-0000-0000-0000-000000000000}"/>
+          </ac:spMkLst>
+        </pc:spChg>
+      </pc:sldChg>
+      <pc:sldChg chg="modSp mod">
+        <pc:chgData name="Lin  Chen" userId="5b8d33d8-9b1a-4612-8f39-9bee1ddd9437" providerId="ADAL" clId="{93BA1E31-8175-4140-A759-95F8F332199D}" dt="2020-11-10T17:45:30.735" v="2" actId="207"/>
+        <pc:sldMkLst>
+          <pc:docMk/>
+          <pc:sldMk cId="2050300251" sldId="397"/>
+        </pc:sldMkLst>
+        <pc:spChg chg="mod">
+          <ac:chgData name="Lin  Chen" userId="5b8d33d8-9b1a-4612-8f39-9bee1ddd9437" providerId="ADAL" clId="{93BA1E31-8175-4140-A759-95F8F332199D}" dt="2020-11-10T17:45:30.735" v="2" actId="207"/>
+          <ac:spMkLst>
+            <pc:docMk/>
+            <pc:sldMk cId="2050300251" sldId="397"/>
+            <ac:spMk id="3" creationId="{00000000-0000-0000-0000-000000000000}"/>
+          </ac:spMkLst>
+        </pc:spChg>
+      </pc:sldChg>
+      <pc:sldChg chg="modSp mod">
+        <pc:chgData name="Lin  Chen" userId="5b8d33d8-9b1a-4612-8f39-9bee1ddd9437" providerId="ADAL" clId="{93BA1E31-8175-4140-A759-95F8F332199D}" dt="2020-11-10T18:06:24.791" v="5" actId="207"/>
+        <pc:sldMkLst>
+          <pc:docMk/>
+          <pc:sldMk cId="3512205079" sldId="398"/>
+        </pc:sldMkLst>
+        <pc:spChg chg="mod">
+          <ac:chgData name="Lin  Chen" userId="5b8d33d8-9b1a-4612-8f39-9bee1ddd9437" providerId="ADAL" clId="{93BA1E31-8175-4140-A759-95F8F332199D}" dt="2020-11-10T18:06:24.791" v="5" actId="207"/>
+          <ac:spMkLst>
+            <pc:docMk/>
+            <pc:sldMk cId="3512205079" sldId="398"/>
+            <ac:spMk id="3" creationId="{00000000-0000-0000-0000-000000000000}"/>
+          </ac:spMkLst>
+        </pc:spChg>
+      </pc:sldChg>
+      <pc:sldChg chg="modSp mod">
+        <pc:chgData name="Lin  Chen" userId="5b8d33d8-9b1a-4612-8f39-9bee1ddd9437" providerId="ADAL" clId="{93BA1E31-8175-4140-A759-95F8F332199D}" dt="2020-11-10T18:09:05.993" v="12" actId="207"/>
+        <pc:sldMkLst>
+          <pc:docMk/>
+          <pc:sldMk cId="3704892585" sldId="416"/>
+        </pc:sldMkLst>
+        <pc:spChg chg="mod">
+          <ac:chgData name="Lin  Chen" userId="5b8d33d8-9b1a-4612-8f39-9bee1ddd9437" providerId="ADAL" clId="{93BA1E31-8175-4140-A759-95F8F332199D}" dt="2020-11-10T18:09:05.993" v="12" actId="207"/>
+          <ac:spMkLst>
+            <pc:docMk/>
+            <pc:sldMk cId="3704892585" sldId="416"/>
+            <ac:spMk id="3" creationId="{00000000-0000-0000-0000-000000000000}"/>
+          </ac:spMkLst>
+        </pc:spChg>
+      </pc:sldChg>
+    </pc:docChg>
+  </pc:docChgLst>
+  <pc:docChgLst>
     <pc:chgData name="Chunlei Liu" userId="710a8e5f-0cc6-4079-ab2e-2c7b9073c6a0" providerId="ADAL" clId="{2F8B082B-04C2-4632-8623-F3A0AF58AE73}"/>
     <pc:docChg chg="custSel addSld delSld modSld sldOrd">
       <pc:chgData name="Chunlei Liu" userId="710a8e5f-0cc6-4079-ab2e-2c7b9073c6a0" providerId="ADAL" clId="{2F8B082B-04C2-4632-8623-F3A0AF58AE73}" dt="2018-11-19T14:50:41.236" v="46"/>
@@ -380,7 +449,7 @@
             <a:fld id="{F62EE97F-2327-4FE9-8874-2C0F3581839A}" type="datetimeFigureOut">
               <a:rPr lang="en-US" smtClean="0"/>
               <a:pPr/>
-              <a:t>11/19/2018</a:t>
+              <a:t>11/10/20</a:t>
             </a:fld>
             <a:endParaRPr lang="en-US"/>
           </a:p>
@@ -822,7 +891,7 @@
             <a:fld id="{74223539-C274-414E-836E-21403C9CE2AE}" type="datetimeFigureOut">
               <a:rPr lang="en-US" smtClean="0"/>
               <a:pPr/>
-              <a:t>11/19/2018</a:t>
+              <a:t>11/10/20</a:t>
             </a:fld>
             <a:endParaRPr lang="en-US"/>
           </a:p>
@@ -988,7 +1057,7 @@
             <a:fld id="{74223539-C274-414E-836E-21403C9CE2AE}" type="datetimeFigureOut">
               <a:rPr lang="en-US" smtClean="0"/>
               <a:pPr/>
-              <a:t>11/19/2018</a:t>
+              <a:t>11/10/20</a:t>
             </a:fld>
             <a:endParaRPr lang="en-US"/>
           </a:p>
@@ -1164,7 +1233,7 @@
             <a:fld id="{74223539-C274-414E-836E-21403C9CE2AE}" type="datetimeFigureOut">
               <a:rPr lang="en-US" smtClean="0"/>
               <a:pPr/>
-              <a:t>11/19/2018</a:t>
+              <a:t>11/10/20</a:t>
             </a:fld>
             <a:endParaRPr lang="en-US"/>
           </a:p>
@@ -1330,7 +1399,7 @@
             <a:fld id="{74223539-C274-414E-836E-21403C9CE2AE}" type="datetimeFigureOut">
               <a:rPr lang="en-US" smtClean="0"/>
               <a:pPr/>
-              <a:t>11/19/2018</a:t>
+              <a:t>11/10/20</a:t>
             </a:fld>
             <a:endParaRPr lang="en-US"/>
           </a:p>
@@ -1573,7 +1642,7 @@
             <a:fld id="{74223539-C274-414E-836E-21403C9CE2AE}" type="datetimeFigureOut">
               <a:rPr lang="en-US" smtClean="0"/>
               <a:pPr/>
-              <a:t>11/19/2018</a:t>
+              <a:t>11/10/20</a:t>
             </a:fld>
             <a:endParaRPr lang="en-US"/>
           </a:p>
@@ -1838,7 +1907,7 @@
             <a:fld id="{74223539-C274-414E-836E-21403C9CE2AE}" type="datetimeFigureOut">
               <a:rPr lang="en-US" smtClean="0"/>
               <a:pPr/>
-              <a:t>11/19/2018</a:t>
+              <a:t>11/10/20</a:t>
             </a:fld>
             <a:endParaRPr lang="en-US"/>
           </a:p>
@@ -2217,7 +2286,7 @@
             <a:fld id="{74223539-C274-414E-836E-21403C9CE2AE}" type="datetimeFigureOut">
               <a:rPr lang="en-US" smtClean="0"/>
               <a:pPr/>
-              <a:t>11/19/2018</a:t>
+              <a:t>11/10/20</a:t>
             </a:fld>
             <a:endParaRPr lang="en-US"/>
           </a:p>
@@ -2368,7 +2437,7 @@
             <a:fld id="{74223539-C274-414E-836E-21403C9CE2AE}" type="datetimeFigureOut">
               <a:rPr lang="en-US" smtClean="0"/>
               <a:pPr/>
-              <a:t>11/19/2018</a:t>
+              <a:t>11/10/20</a:t>
             </a:fld>
             <a:endParaRPr lang="en-US"/>
           </a:p>
@@ -2460,7 +2529,7 @@
             <a:fld id="{74223539-C274-414E-836E-21403C9CE2AE}" type="datetimeFigureOut">
               <a:rPr lang="en-US" smtClean="0"/>
               <a:pPr/>
-              <a:t>11/19/2018</a:t>
+              <a:t>11/10/20</a:t>
             </a:fld>
             <a:endParaRPr lang="en-US"/>
           </a:p>
@@ -2722,7 +2791,7 @@
             <a:fld id="{74223539-C274-414E-836E-21403C9CE2AE}" type="datetimeFigureOut">
               <a:rPr lang="en-US" smtClean="0"/>
               <a:pPr/>
-              <a:t>11/19/2018</a:t>
+              <a:t>11/10/20</a:t>
             </a:fld>
             <a:endParaRPr lang="en-US"/>
           </a:p>
@@ -3011,7 +3080,7 @@
             <a:fld id="{74223539-C274-414E-836E-21403C9CE2AE}" type="datetimeFigureOut">
               <a:rPr lang="en-US" smtClean="0"/>
               <a:pPr/>
-              <a:t>11/19/2018</a:t>
+              <a:t>11/10/20</a:t>
             </a:fld>
             <a:endParaRPr lang="en-US"/>
           </a:p>
@@ -3782,7 +3851,7 @@
             <a:fld id="{74223539-C274-414E-836E-21403C9CE2AE}" type="datetimeFigureOut">
               <a:rPr lang="en-US" smtClean="0"/>
               <a:pPr/>
-              <a:t>11/19/2018</a:t>
+              <a:t>11/10/20</a:t>
             </a:fld>
             <a:endParaRPr lang="en-US"/>
           </a:p>
@@ -11810,7 +11879,11 @@
               <a:t>: A </a:t>
             </a:r>
             <a:r>
-              <a:rPr lang="en-US" i="1" dirty="0"/>
+              <a:rPr lang="en-US" i="1" dirty="0">
+                <a:solidFill>
+                  <a:srgbClr val="FF0000"/>
+                </a:solidFill>
+              </a:rPr>
               <a:t>tree</a:t>
             </a:r>
             <a:r>
@@ -11993,7 +12066,11 @@
               <a:t>: A </a:t>
             </a:r>
             <a:r>
-              <a:rPr lang="en-US" i="1" dirty="0"/>
+              <a:rPr lang="en-US" i="1" dirty="0">
+                <a:solidFill>
+                  <a:srgbClr val="FF0000"/>
+                </a:solidFill>
+              </a:rPr>
               <a:t>forest</a:t>
             </a:r>
             <a:r>
@@ -13072,13 +13149,6 @@
   <p:clrMapOvr>
     <a:masterClrMapping/>
   </p:clrMapOvr>
-  <p:timing>
-    <p:tnLst>
-      <p:par>
-        <p:cTn id="1" dur="indefinite" restart="never" nodeType="tmRoot"/>
-      </p:par>
-    </p:tnLst>
-  </p:timing>
 </p:sld>
 </file>
 
@@ -13405,13 +13475,6 @@
   <p:clrMapOvr>
     <a:masterClrMapping/>
   </p:clrMapOvr>
-  <p:timing>
-    <p:tnLst>
-      <p:par>
-        <p:cTn id="1" dur="indefinite" restart="never" nodeType="tmRoot"/>
-      </p:par>
-    </p:tnLst>
-  </p:timing>
 </p:sld>
 </file>
 
@@ -14111,7 +14174,19 @@
             </a:r>
             <a:r>
               <a:rPr lang="en-US" dirty="0"/>
-              <a:t>: An undirected graph is a tree if and only if there is a unique simple path between any two of its vertices. </a:t>
+              <a:t>: An undirected graph is a tree if and only if there is a </a:t>
+            </a:r>
+            <a:r>
+              <a:rPr lang="en-US" dirty="0">
+                <a:solidFill>
+                  <a:srgbClr val="FF0000"/>
+                </a:solidFill>
+              </a:rPr>
+              <a:t>unique simple path </a:t>
+            </a:r>
+            <a:r>
+              <a:rPr lang="en-US" dirty="0"/>
+              <a:t>between any two of its vertices. </a:t>
             </a:r>
           </a:p>
           <a:p>
@@ -18552,7 +18627,11 @@
               <a:t>: A </a:t>
             </a:r>
             <a:r>
-              <a:rPr lang="en-US" i="1" dirty="0"/>
+              <a:rPr lang="en-US" i="1" dirty="0">
+                <a:solidFill>
+                  <a:srgbClr val="FF0000"/>
+                </a:solidFill>
+              </a:rPr>
               <a:t>rooted tree </a:t>
             </a:r>
             <a:r>
@@ -18565,7 +18644,19 @@
             </a:r>
             <a:r>
               <a:rPr lang="en-US" dirty="0"/>
-              <a:t> and every edge is directed away from the root.</a:t>
+              <a:t> and every edge is </a:t>
+            </a:r>
+            <a:r>
+              <a:rPr lang="en-US" dirty="0">
+                <a:solidFill>
+                  <a:srgbClr val="FF0000"/>
+                </a:solidFill>
+              </a:rPr>
+              <a:t>directed</a:t>
+            </a:r>
+            <a:r>
+              <a:rPr lang="en-US" dirty="0"/>
+              <a:t> away from the root.</a:t>
             </a:r>
           </a:p>
           <a:p>
@@ -18743,7 +18834,11 @@
               <a:t> is a vertex of a rooted tree other than the root, the </a:t>
             </a:r>
             <a:r>
-              <a:rPr lang="en-US" i="1" dirty="0"/>
+              <a:rPr lang="en-US" i="1" dirty="0">
+                <a:solidFill>
+                  <a:srgbClr val="FF0000"/>
+                </a:solidFill>
+              </a:rPr>
               <a:t>parent</a:t>
             </a:r>
             <a:r>
@@ -18807,7 +18902,11 @@
               <a:t> is called a </a:t>
             </a:r>
             <a:r>
-              <a:rPr lang="en-US" i="1" dirty="0"/>
+              <a:rPr lang="en-US" i="1" dirty="0">
+                <a:solidFill>
+                  <a:srgbClr val="FF0000"/>
+                </a:solidFill>
+              </a:rPr>
               <a:t>child</a:t>
             </a:r>
             <a:r>
@@ -18823,7 +18922,11 @@
               <a:t>. Vertices with the same parent are called </a:t>
             </a:r>
             <a:r>
-              <a:rPr lang="en-US" i="1" dirty="0"/>
+              <a:rPr lang="en-US" i="1" dirty="0">
+                <a:solidFill>
+                  <a:srgbClr val="FF0000"/>
+                </a:solidFill>
+              </a:rPr>
               <a:t>siblings</a:t>
             </a:r>
             <a:r>
@@ -18837,7 +18940,11 @@
               <a:t>The </a:t>
             </a:r>
             <a:r>
-              <a:rPr lang="en-US" i="1" dirty="0"/>
+              <a:rPr lang="en-US" i="1" dirty="0">
+                <a:solidFill>
+                  <a:srgbClr val="FF0000"/>
+                </a:solidFill>
+              </a:rPr>
               <a:t>ancestors</a:t>
             </a:r>
             <a:r>
@@ -18845,7 +18952,11 @@
               <a:t> of a vertex are the vertices in the path from the root to this vertex, excluding the vertex itself and including the root. The </a:t>
             </a:r>
             <a:r>
-              <a:rPr lang="en-US" i="1" dirty="0"/>
+              <a:rPr lang="en-US" i="1" dirty="0">
+                <a:solidFill>
+                  <a:srgbClr val="FF0000"/>
+                </a:solidFill>
+              </a:rPr>
               <a:t>descendants </a:t>
             </a:r>
             <a:r>
@@ -18875,7 +18986,11 @@
               <a:t>A vertex of a rooted tree with no children is called a </a:t>
             </a:r>
             <a:r>
-              <a:rPr lang="en-US" i="1" dirty="0"/>
+              <a:rPr lang="en-US" i="1" dirty="0">
+                <a:solidFill>
+                  <a:srgbClr val="FF0000"/>
+                </a:solidFill>
+              </a:rPr>
               <a:t>leaf</a:t>
             </a:r>
             <a:r>
@@ -18883,7 +18998,11 @@
               <a:t>. Vertices that have children are called </a:t>
             </a:r>
             <a:r>
-              <a:rPr lang="en-US" i="1" dirty="0"/>
+              <a:rPr lang="en-US" i="1" dirty="0">
+                <a:solidFill>
+                  <a:srgbClr val="FF0000"/>
+                </a:solidFill>
+              </a:rPr>
               <a:t>internal vertices</a:t>
             </a:r>
             <a:r>
@@ -18905,7 +19024,11 @@
               <a:t> is a vertex in a tree, the </a:t>
             </a:r>
             <a:r>
-              <a:rPr lang="en-US" i="1" dirty="0" err="1"/>
+              <a:rPr lang="en-US" i="1" dirty="0" err="1">
+                <a:solidFill>
+                  <a:srgbClr val="FF0000"/>
+                </a:solidFill>
+              </a:rPr>
               <a:t>subtree</a:t>
             </a:r>
             <a:r>

--- a/cs2620/slides/cs2620_notes11.pptx
+++ b/cs2620/slides/cs2620_notes11.pptx
@@ -183,7 +183,7 @@
   <pc:docChgLst>
     <pc:chgData name="Lin  Chen" userId="5b8d33d8-9b1a-4612-8f39-9bee1ddd9437" providerId="ADAL" clId="{93BA1E31-8175-4140-A759-95F8F332199D}"/>
     <pc:docChg chg="modSld">
-      <pc:chgData name="Lin  Chen" userId="5b8d33d8-9b1a-4612-8f39-9bee1ddd9437" providerId="ADAL" clId="{93BA1E31-8175-4140-A759-95F8F332199D}" dt="2020-11-10T18:09:05.993" v="12" actId="207"/>
+      <pc:chgData name="Lin  Chen" userId="5b8d33d8-9b1a-4612-8f39-9bee1ddd9437" providerId="ADAL" clId="{93BA1E31-8175-4140-A759-95F8F332199D}" dt="2020-11-12T17:42:53.398" v="15" actId="207"/>
       <pc:docMkLst>
         <pc:docMk/>
       </pc:docMkLst>
@@ -243,6 +243,21 @@
           <ac:spMkLst>
             <pc:docMk/>
             <pc:sldMk cId="3704892585" sldId="416"/>
+            <ac:spMk id="3" creationId="{00000000-0000-0000-0000-000000000000}"/>
+          </ac:spMkLst>
+        </pc:spChg>
+      </pc:sldChg>
+      <pc:sldChg chg="modSp mod">
+        <pc:chgData name="Lin  Chen" userId="5b8d33d8-9b1a-4612-8f39-9bee1ddd9437" providerId="ADAL" clId="{93BA1E31-8175-4140-A759-95F8F332199D}" dt="2020-11-12T17:42:53.398" v="15" actId="207"/>
+        <pc:sldMkLst>
+          <pc:docMk/>
+          <pc:sldMk cId="599439639" sldId="417"/>
+        </pc:sldMkLst>
+        <pc:spChg chg="mod">
+          <ac:chgData name="Lin  Chen" userId="5b8d33d8-9b1a-4612-8f39-9bee1ddd9437" providerId="ADAL" clId="{93BA1E31-8175-4140-A759-95F8F332199D}" dt="2020-11-12T17:42:53.398" v="15" actId="207"/>
+          <ac:spMkLst>
+            <pc:docMk/>
+            <pc:sldMk cId="599439639" sldId="417"/>
             <ac:spMk id="3" creationId="{00000000-0000-0000-0000-000000000000}"/>
           </ac:spMkLst>
         </pc:spChg>
@@ -449,7 +464,7 @@
             <a:fld id="{F62EE97F-2327-4FE9-8874-2C0F3581839A}" type="datetimeFigureOut">
               <a:rPr lang="en-US" smtClean="0"/>
               <a:pPr/>
-              <a:t>11/10/20</a:t>
+              <a:t>11/12/20</a:t>
             </a:fld>
             <a:endParaRPr lang="en-US"/>
           </a:p>
@@ -891,7 +906,7 @@
             <a:fld id="{74223539-C274-414E-836E-21403C9CE2AE}" type="datetimeFigureOut">
               <a:rPr lang="en-US" smtClean="0"/>
               <a:pPr/>
-              <a:t>11/10/20</a:t>
+              <a:t>11/12/20</a:t>
             </a:fld>
             <a:endParaRPr lang="en-US"/>
           </a:p>
@@ -1057,7 +1072,7 @@
             <a:fld id="{74223539-C274-414E-836E-21403C9CE2AE}" type="datetimeFigureOut">
               <a:rPr lang="en-US" smtClean="0"/>
               <a:pPr/>
-              <a:t>11/10/20</a:t>
+              <a:t>11/12/20</a:t>
             </a:fld>
             <a:endParaRPr lang="en-US"/>
           </a:p>
@@ -1233,7 +1248,7 @@
             <a:fld id="{74223539-C274-414E-836E-21403C9CE2AE}" type="datetimeFigureOut">
               <a:rPr lang="en-US" smtClean="0"/>
               <a:pPr/>
-              <a:t>11/10/20</a:t>
+              <a:t>11/12/20</a:t>
             </a:fld>
             <a:endParaRPr lang="en-US"/>
           </a:p>
@@ -1399,7 +1414,7 @@
             <a:fld id="{74223539-C274-414E-836E-21403C9CE2AE}" type="datetimeFigureOut">
               <a:rPr lang="en-US" smtClean="0"/>
               <a:pPr/>
-              <a:t>11/10/20</a:t>
+              <a:t>11/12/20</a:t>
             </a:fld>
             <a:endParaRPr lang="en-US"/>
           </a:p>
@@ -1642,7 +1657,7 @@
             <a:fld id="{74223539-C274-414E-836E-21403C9CE2AE}" type="datetimeFigureOut">
               <a:rPr lang="en-US" smtClean="0"/>
               <a:pPr/>
-              <a:t>11/10/20</a:t>
+              <a:t>11/12/20</a:t>
             </a:fld>
             <a:endParaRPr lang="en-US"/>
           </a:p>
@@ -1907,7 +1922,7 @@
             <a:fld id="{74223539-C274-414E-836E-21403C9CE2AE}" type="datetimeFigureOut">
               <a:rPr lang="en-US" smtClean="0"/>
               <a:pPr/>
-              <a:t>11/10/20</a:t>
+              <a:t>11/12/20</a:t>
             </a:fld>
             <a:endParaRPr lang="en-US"/>
           </a:p>
@@ -2286,7 +2301,7 @@
             <a:fld id="{74223539-C274-414E-836E-21403C9CE2AE}" type="datetimeFigureOut">
               <a:rPr lang="en-US" smtClean="0"/>
               <a:pPr/>
-              <a:t>11/10/20</a:t>
+              <a:t>11/12/20</a:t>
             </a:fld>
             <a:endParaRPr lang="en-US"/>
           </a:p>
@@ -2437,7 +2452,7 @@
             <a:fld id="{74223539-C274-414E-836E-21403C9CE2AE}" type="datetimeFigureOut">
               <a:rPr lang="en-US" smtClean="0"/>
               <a:pPr/>
-              <a:t>11/10/20</a:t>
+              <a:t>11/12/20</a:t>
             </a:fld>
             <a:endParaRPr lang="en-US"/>
           </a:p>
@@ -2529,7 +2544,7 @@
             <a:fld id="{74223539-C274-414E-836E-21403C9CE2AE}" type="datetimeFigureOut">
               <a:rPr lang="en-US" smtClean="0"/>
               <a:pPr/>
-              <a:t>11/10/20</a:t>
+              <a:t>11/12/20</a:t>
             </a:fld>
             <a:endParaRPr lang="en-US"/>
           </a:p>
@@ -2791,7 +2806,7 @@
             <a:fld id="{74223539-C274-414E-836E-21403C9CE2AE}" type="datetimeFigureOut">
               <a:rPr lang="en-US" smtClean="0"/>
               <a:pPr/>
-              <a:t>11/10/20</a:t>
+              <a:t>11/12/20</a:t>
             </a:fld>
             <a:endParaRPr lang="en-US"/>
           </a:p>
@@ -3080,7 +3095,7 @@
             <a:fld id="{74223539-C274-414E-836E-21403C9CE2AE}" type="datetimeFigureOut">
               <a:rPr lang="en-US" smtClean="0"/>
               <a:pPr/>
-              <a:t>11/10/20</a:t>
+              <a:t>11/12/20</a:t>
             </a:fld>
             <a:endParaRPr lang="en-US"/>
           </a:p>
@@ -3851,7 +3866,7 @@
             <a:fld id="{74223539-C274-414E-836E-21403C9CE2AE}" type="datetimeFigureOut">
               <a:rPr lang="en-US" smtClean="0"/>
               <a:pPr/>
-              <a:t>11/10/20</a:t>
+              <a:t>11/12/20</a:t>
             </a:fld>
             <a:endParaRPr lang="en-US"/>
           </a:p>
@@ -9605,7 +9620,11 @@
               <a:t> are </a:t>
             </a:r>
             <a:r>
-              <a:rPr lang="en-US" i="1" dirty="0"/>
+              <a:rPr lang="en-US" i="1" dirty="0">
+                <a:solidFill>
+                  <a:srgbClr val="FF0000"/>
+                </a:solidFill>
+              </a:rPr>
               <a:t>preorder</a:t>
             </a:r>
             <a:r>
@@ -9621,7 +9640,11 @@
               <a:t>, </a:t>
             </a:r>
             <a:r>
-              <a:rPr lang="en-US" i="1" dirty="0" err="1"/>
+              <a:rPr lang="en-US" i="1" dirty="0" err="1">
+                <a:solidFill>
+                  <a:srgbClr val="FF0000"/>
+                </a:solidFill>
+              </a:rPr>
               <a:t>inorder</a:t>
             </a:r>
             <a:r>
@@ -9633,7 +9656,11 @@
               <a:t>, and </a:t>
             </a:r>
             <a:r>
-              <a:rPr lang="en-US" i="1" dirty="0" err="1"/>
+              <a:rPr lang="en-US" i="1" dirty="0" err="1">
+                <a:solidFill>
+                  <a:srgbClr val="FF0000"/>
+                </a:solidFill>
+              </a:rPr>
               <a:t>postorder</a:t>
             </a:r>
             <a:r>

--- a/cs2620/slides/cs2620_notes11.pptx
+++ b/cs2620/slides/cs2620_notes11.pptx
@@ -183,7 +183,7 @@
   <pc:docChgLst>
     <pc:chgData name="Lin  Chen" userId="5b8d33d8-9b1a-4612-8f39-9bee1ddd9437" providerId="ADAL" clId="{93BA1E31-8175-4140-A759-95F8F332199D}"/>
     <pc:docChg chg="modSld">
-      <pc:chgData name="Lin  Chen" userId="5b8d33d8-9b1a-4612-8f39-9bee1ddd9437" providerId="ADAL" clId="{93BA1E31-8175-4140-A759-95F8F332199D}" dt="2020-11-12T17:42:53.398" v="15" actId="207"/>
+      <pc:chgData name="Lin  Chen" userId="5b8d33d8-9b1a-4612-8f39-9bee1ddd9437" providerId="ADAL" clId="{93BA1E31-8175-4140-A759-95F8F332199D}" dt="2020-11-19T17:40:16.615" v="19" actId="207"/>
       <pc:docMkLst>
         <pc:docMk/>
       </pc:docMkLst>
@@ -258,6 +258,51 @@
           <ac:spMkLst>
             <pc:docMk/>
             <pc:sldMk cId="599439639" sldId="417"/>
+            <ac:spMk id="3" creationId="{00000000-0000-0000-0000-000000000000}"/>
+          </ac:spMkLst>
+        </pc:spChg>
+      </pc:sldChg>
+      <pc:sldChg chg="modSp mod">
+        <pc:chgData name="Lin  Chen" userId="5b8d33d8-9b1a-4612-8f39-9bee1ddd9437" providerId="ADAL" clId="{93BA1E31-8175-4140-A759-95F8F332199D}" dt="2020-11-19T17:29:02.242" v="16" actId="207"/>
+        <pc:sldMkLst>
+          <pc:docMk/>
+          <pc:sldMk cId="3619158508" sldId="431"/>
+        </pc:sldMkLst>
+        <pc:spChg chg="mod">
+          <ac:chgData name="Lin  Chen" userId="5b8d33d8-9b1a-4612-8f39-9bee1ddd9437" providerId="ADAL" clId="{93BA1E31-8175-4140-A759-95F8F332199D}" dt="2020-11-19T17:29:02.242" v="16" actId="207"/>
+          <ac:spMkLst>
+            <pc:docMk/>
+            <pc:sldMk cId="3619158508" sldId="431"/>
+            <ac:spMk id="3" creationId="{00000000-0000-0000-0000-000000000000}"/>
+          </ac:spMkLst>
+        </pc:spChg>
+      </pc:sldChg>
+      <pc:sldChg chg="modSp mod">
+        <pc:chgData name="Lin  Chen" userId="5b8d33d8-9b1a-4612-8f39-9bee1ddd9437" providerId="ADAL" clId="{93BA1E31-8175-4140-A759-95F8F332199D}" dt="2020-11-19T17:40:16.615" v="19" actId="207"/>
+        <pc:sldMkLst>
+          <pc:docMk/>
+          <pc:sldMk cId="1006176018" sldId="434"/>
+        </pc:sldMkLst>
+        <pc:spChg chg="mod">
+          <ac:chgData name="Lin  Chen" userId="5b8d33d8-9b1a-4612-8f39-9bee1ddd9437" providerId="ADAL" clId="{93BA1E31-8175-4140-A759-95F8F332199D}" dt="2020-11-19T17:40:16.615" v="19" actId="207"/>
+          <ac:spMkLst>
+            <pc:docMk/>
+            <pc:sldMk cId="1006176018" sldId="434"/>
+            <ac:spMk id="3" creationId="{00000000-0000-0000-0000-000000000000}"/>
+          </ac:spMkLst>
+        </pc:spChg>
+      </pc:sldChg>
+      <pc:sldChg chg="modSp mod">
+        <pc:chgData name="Lin  Chen" userId="5b8d33d8-9b1a-4612-8f39-9bee1ddd9437" providerId="ADAL" clId="{93BA1E31-8175-4140-A759-95F8F332199D}" dt="2020-11-19T17:39:45.613" v="18" actId="207"/>
+        <pc:sldMkLst>
+          <pc:docMk/>
+          <pc:sldMk cId="408133042" sldId="437"/>
+        </pc:sldMkLst>
+        <pc:spChg chg="mod">
+          <ac:chgData name="Lin  Chen" userId="5b8d33d8-9b1a-4612-8f39-9bee1ddd9437" providerId="ADAL" clId="{93BA1E31-8175-4140-A759-95F8F332199D}" dt="2020-11-19T17:39:45.613" v="18" actId="207"/>
+          <ac:spMkLst>
+            <pc:docMk/>
+            <pc:sldMk cId="408133042" sldId="437"/>
             <ac:spMk id="3" creationId="{00000000-0000-0000-0000-000000000000}"/>
           </ac:spMkLst>
         </pc:spChg>
@@ -464,7 +509,7 @@
             <a:fld id="{F62EE97F-2327-4FE9-8874-2C0F3581839A}" type="datetimeFigureOut">
               <a:rPr lang="en-US" smtClean="0"/>
               <a:pPr/>
-              <a:t>11/12/20</a:t>
+              <a:t>11/19/20</a:t>
             </a:fld>
             <a:endParaRPr lang="en-US"/>
           </a:p>
@@ -906,7 +951,7 @@
             <a:fld id="{74223539-C274-414E-836E-21403C9CE2AE}" type="datetimeFigureOut">
               <a:rPr lang="en-US" smtClean="0"/>
               <a:pPr/>
-              <a:t>11/12/20</a:t>
+              <a:t>11/19/20</a:t>
             </a:fld>
             <a:endParaRPr lang="en-US"/>
           </a:p>
@@ -1072,7 +1117,7 @@
             <a:fld id="{74223539-C274-414E-836E-21403C9CE2AE}" type="datetimeFigureOut">
               <a:rPr lang="en-US" smtClean="0"/>
               <a:pPr/>
-              <a:t>11/12/20</a:t>
+              <a:t>11/19/20</a:t>
             </a:fld>
             <a:endParaRPr lang="en-US"/>
           </a:p>
@@ -1248,7 +1293,7 @@
             <a:fld id="{74223539-C274-414E-836E-21403C9CE2AE}" type="datetimeFigureOut">
               <a:rPr lang="en-US" smtClean="0"/>
               <a:pPr/>
-              <a:t>11/12/20</a:t>
+              <a:t>11/19/20</a:t>
             </a:fld>
             <a:endParaRPr lang="en-US"/>
           </a:p>
@@ -1414,7 +1459,7 @@
             <a:fld id="{74223539-C274-414E-836E-21403C9CE2AE}" type="datetimeFigureOut">
               <a:rPr lang="en-US" smtClean="0"/>
               <a:pPr/>
-              <a:t>11/12/20</a:t>
+              <a:t>11/19/20</a:t>
             </a:fld>
             <a:endParaRPr lang="en-US"/>
           </a:p>
@@ -1657,7 +1702,7 @@
             <a:fld id="{74223539-C274-414E-836E-21403C9CE2AE}" type="datetimeFigureOut">
               <a:rPr lang="en-US" smtClean="0"/>
               <a:pPr/>
-              <a:t>11/12/20</a:t>
+              <a:t>11/19/20</a:t>
             </a:fld>
             <a:endParaRPr lang="en-US"/>
           </a:p>
@@ -1922,7 +1967,7 @@
             <a:fld id="{74223539-C274-414E-836E-21403C9CE2AE}" type="datetimeFigureOut">
               <a:rPr lang="en-US" smtClean="0"/>
               <a:pPr/>
-              <a:t>11/12/20</a:t>
+              <a:t>11/19/20</a:t>
             </a:fld>
             <a:endParaRPr lang="en-US"/>
           </a:p>
@@ -2301,7 +2346,7 @@
             <a:fld id="{74223539-C274-414E-836E-21403C9CE2AE}" type="datetimeFigureOut">
               <a:rPr lang="en-US" smtClean="0"/>
               <a:pPr/>
-              <a:t>11/12/20</a:t>
+              <a:t>11/19/20</a:t>
             </a:fld>
             <a:endParaRPr lang="en-US"/>
           </a:p>
@@ -2452,7 +2497,7 @@
             <a:fld id="{74223539-C274-414E-836E-21403C9CE2AE}" type="datetimeFigureOut">
               <a:rPr lang="en-US" smtClean="0"/>
               <a:pPr/>
-              <a:t>11/12/20</a:t>
+              <a:t>11/19/20</a:t>
             </a:fld>
             <a:endParaRPr lang="en-US"/>
           </a:p>
@@ -2544,7 +2589,7 @@
             <a:fld id="{74223539-C274-414E-836E-21403C9CE2AE}" type="datetimeFigureOut">
               <a:rPr lang="en-US" smtClean="0"/>
               <a:pPr/>
-              <a:t>11/12/20</a:t>
+              <a:t>11/19/20</a:t>
             </a:fld>
             <a:endParaRPr lang="en-US"/>
           </a:p>
@@ -2806,7 +2851,7 @@
             <a:fld id="{74223539-C274-414E-836E-21403C9CE2AE}" type="datetimeFigureOut">
               <a:rPr lang="en-US" smtClean="0"/>
               <a:pPr/>
-              <a:t>11/12/20</a:t>
+              <a:t>11/19/20</a:t>
             </a:fld>
             <a:endParaRPr lang="en-US"/>
           </a:p>
@@ -3095,7 +3140,7 @@
             <a:fld id="{74223539-C274-414E-836E-21403C9CE2AE}" type="datetimeFigureOut">
               <a:rPr lang="en-US" smtClean="0"/>
               <a:pPr/>
-              <a:t>11/12/20</a:t>
+              <a:t>11/19/20</a:t>
             </a:fld>
             <a:endParaRPr lang="en-US"/>
           </a:p>
@@ -3866,7 +3911,7 @@
             <a:fld id="{74223539-C274-414E-836E-21403C9CE2AE}" type="datetimeFigureOut">
               <a:rPr lang="en-US" smtClean="0"/>
               <a:pPr/>
-              <a:t>11/12/20</a:t>
+              <a:t>11/19/20</a:t>
             </a:fld>
             <a:endParaRPr lang="en-US"/>
           </a:p>
@@ -15068,7 +15113,11 @@
               <a:t>To use </a:t>
             </a:r>
             <a:r>
-              <a:rPr lang="en-US" i="1" dirty="0"/>
+              <a:rPr lang="en-US" i="1" dirty="0">
+                <a:solidFill>
+                  <a:srgbClr val="FF0000"/>
+                </a:solidFill>
+              </a:rPr>
               <a:t>depth-first search </a:t>
             </a:r>
             <a:r>
@@ -15615,7 +15664,11 @@
               <a:t>The edges selected by depth-first search of a graph are called </a:t>
             </a:r>
             <a:r>
-              <a:rPr lang="en-US" i="1" dirty="0"/>
+              <a:rPr lang="en-US" i="1" dirty="0">
+                <a:solidFill>
+                  <a:srgbClr val="FF0000"/>
+                </a:solidFill>
+              </a:rPr>
               <a:t>tree edges</a:t>
             </a:r>
             <a:r>
@@ -15623,7 +15676,11 @@
               <a:t>. All other edges of the graph must connect a vertex to an ancestor or descendant of the vertex in the graph. These are called </a:t>
             </a:r>
             <a:r>
-              <a:rPr lang="en-US" i="1" dirty="0"/>
+              <a:rPr lang="en-US" i="1" dirty="0">
+                <a:solidFill>
+                  <a:srgbClr val="FF0000"/>
+                </a:solidFill>
+              </a:rPr>
               <a:t>back edges</a:t>
             </a:r>
             <a:r>
@@ -16486,7 +16543,11 @@
               <a:t>We can construct a spanning tree using </a:t>
             </a:r>
             <a:r>
-              <a:rPr lang="en-US" i="1" dirty="0"/>
+              <a:rPr lang="en-US" i="1" dirty="0">
+                <a:solidFill>
+                  <a:srgbClr val="FF0000"/>
+                </a:solidFill>
+              </a:rPr>
               <a:t>breadth-first search</a:t>
             </a:r>
             <a:r>

--- a/cs2620/slides/cs2620_notes11.pptx
+++ b/cs2620/slides/cs2620_notes11.pptx
@@ -5,7 +5,7 @@
     <p:sldMasterId id="2147483660" r:id="rId1"/>
   </p:sldMasterIdLst>
   <p:notesMasterIdLst>
-    <p:notesMasterId r:id="rId55"/>
+    <p:notesMasterId r:id="rId68"/>
   </p:notesMasterIdLst>
   <p:sldIdLst>
     <p:sldId id="256" r:id="rId2"/>
@@ -61,6 +61,19 @@
     <p:sldId id="448" r:id="rId52"/>
     <p:sldId id="453" r:id="rId53"/>
     <p:sldId id="438" r:id="rId54"/>
+    <p:sldId id="454" r:id="rId55"/>
+    <p:sldId id="455" r:id="rId56"/>
+    <p:sldId id="456" r:id="rId57"/>
+    <p:sldId id="457" r:id="rId58"/>
+    <p:sldId id="458" r:id="rId59"/>
+    <p:sldId id="459" r:id="rId60"/>
+    <p:sldId id="460" r:id="rId61"/>
+    <p:sldId id="461" r:id="rId62"/>
+    <p:sldId id="462" r:id="rId63"/>
+    <p:sldId id="463" r:id="rId64"/>
+    <p:sldId id="464" r:id="rId65"/>
+    <p:sldId id="465" r:id="rId66"/>
+    <p:sldId id="466" r:id="rId67"/>
   </p:sldIdLst>
   <p:sldSz cx="9144000" cy="6858000" type="screen4x3"/>
   <p:notesSz cx="6858000" cy="9144000"/>
@@ -178,12 +191,20 @@
 </p:presentation>
 </file>
 
+<file path=ppt/revisionInfo.xml><?xml version="1.0" encoding="utf-8"?>
+<p1510:revInfo xmlns:a="http://schemas.openxmlformats.org/drawingml/2006/main" xmlns:r="http://schemas.openxmlformats.org/officeDocument/2006/relationships" xmlns:p1510="http://schemas.microsoft.com/office/powerpoint/2015/10/main">
+  <p1510:revLst>
+    <p1510:client id="{93BA1E31-8175-4140-A759-95F8F332199D}" v="26" dt="2020-11-24T18:09:06.940"/>
+  </p1510:revLst>
+</p1510:revInfo>
+</file>
+
 <file path=ppt/changesInfos/changesInfo1.xml><?xml version="1.0" encoding="utf-8"?>
 <pc:chgInfo xmlns:a="http://schemas.openxmlformats.org/drawingml/2006/main" xmlns:r="http://schemas.openxmlformats.org/officeDocument/2006/relationships" xmlns:ac="http://schemas.microsoft.com/office/drawing/2013/main/command" xmlns:pc="http://schemas.microsoft.com/office/powerpoint/2013/main/command">
   <pc:docChgLst>
     <pc:chgData name="Lin  Chen" userId="5b8d33d8-9b1a-4612-8f39-9bee1ddd9437" providerId="ADAL" clId="{93BA1E31-8175-4140-A759-95F8F332199D}"/>
-    <pc:docChg chg="modSld">
-      <pc:chgData name="Lin  Chen" userId="5b8d33d8-9b1a-4612-8f39-9bee1ddd9437" providerId="ADAL" clId="{93BA1E31-8175-4140-A759-95F8F332199D}" dt="2020-11-19T17:40:16.615" v="19" actId="207"/>
+    <pc:docChg chg="custSel addSld modSld">
+      <pc:chgData name="Lin  Chen" userId="5b8d33d8-9b1a-4612-8f39-9bee1ddd9437" providerId="ADAL" clId="{93BA1E31-8175-4140-A759-95F8F332199D}" dt="2020-11-24T18:09:13.061" v="464" actId="14100"/>
       <pc:docMkLst>
         <pc:docMk/>
       </pc:docMkLst>
@@ -306,6 +327,345 @@
             <ac:spMk id="3" creationId="{00000000-0000-0000-0000-000000000000}"/>
           </ac:spMkLst>
         </pc:spChg>
+      </pc:sldChg>
+      <pc:sldChg chg="modSp add mod">
+        <pc:chgData name="Lin  Chen" userId="5b8d33d8-9b1a-4612-8f39-9bee1ddd9437" providerId="ADAL" clId="{93BA1E31-8175-4140-A759-95F8F332199D}" dt="2020-11-24T17:42:19.321" v="37" actId="20577"/>
+        <pc:sldMkLst>
+          <pc:docMk/>
+          <pc:sldMk cId="1926501493" sldId="454"/>
+        </pc:sldMkLst>
+        <pc:spChg chg="mod">
+          <ac:chgData name="Lin  Chen" userId="5b8d33d8-9b1a-4612-8f39-9bee1ddd9437" providerId="ADAL" clId="{93BA1E31-8175-4140-A759-95F8F332199D}" dt="2020-11-24T17:42:15.337" v="29" actId="20577"/>
+          <ac:spMkLst>
+            <pc:docMk/>
+            <pc:sldMk cId="1926501493" sldId="454"/>
+            <ac:spMk id="2" creationId="{00000000-0000-0000-0000-000000000000}"/>
+          </ac:spMkLst>
+        </pc:spChg>
+        <pc:spChg chg="mod">
+          <ac:chgData name="Lin  Chen" userId="5b8d33d8-9b1a-4612-8f39-9bee1ddd9437" providerId="ADAL" clId="{93BA1E31-8175-4140-A759-95F8F332199D}" dt="2020-11-24T17:42:19.321" v="37" actId="20577"/>
+          <ac:spMkLst>
+            <pc:docMk/>
+            <pc:sldMk cId="1926501493" sldId="454"/>
+            <ac:spMk id="3" creationId="{00000000-0000-0000-0000-000000000000}"/>
+          </ac:spMkLst>
+        </pc:spChg>
+      </pc:sldChg>
+      <pc:sldChg chg="addSp delSp modSp add mod">
+        <pc:chgData name="Lin  Chen" userId="5b8d33d8-9b1a-4612-8f39-9bee1ddd9437" providerId="ADAL" clId="{93BA1E31-8175-4140-A759-95F8F332199D}" dt="2020-11-24T17:43:26.581" v="220" actId="478"/>
+        <pc:sldMkLst>
+          <pc:docMk/>
+          <pc:sldMk cId="196383634" sldId="455"/>
+        </pc:sldMkLst>
+        <pc:spChg chg="del">
+          <ac:chgData name="Lin  Chen" userId="5b8d33d8-9b1a-4612-8f39-9bee1ddd9437" providerId="ADAL" clId="{93BA1E31-8175-4140-A759-95F8F332199D}" dt="2020-11-24T17:43:24.100" v="219" actId="478"/>
+          <ac:spMkLst>
+            <pc:docMk/>
+            <pc:sldMk cId="196383634" sldId="455"/>
+            <ac:spMk id="2" creationId="{00000000-0000-0000-0000-000000000000}"/>
+          </ac:spMkLst>
+        </pc:spChg>
+        <pc:spChg chg="del">
+          <ac:chgData name="Lin  Chen" userId="5b8d33d8-9b1a-4612-8f39-9bee1ddd9437" providerId="ADAL" clId="{93BA1E31-8175-4140-A759-95F8F332199D}" dt="2020-11-24T17:42:26.029" v="39" actId="478"/>
+          <ac:spMkLst>
+            <pc:docMk/>
+            <pc:sldMk cId="196383634" sldId="455"/>
+            <ac:spMk id="3" creationId="{00000000-0000-0000-0000-000000000000}"/>
+          </ac:spMkLst>
+        </pc:spChg>
+        <pc:spChg chg="add mod">
+          <ac:chgData name="Lin  Chen" userId="5b8d33d8-9b1a-4612-8f39-9bee1ddd9437" providerId="ADAL" clId="{93BA1E31-8175-4140-A759-95F8F332199D}" dt="2020-11-24T17:43:18.596" v="218" actId="20577"/>
+          <ac:spMkLst>
+            <pc:docMk/>
+            <pc:sldMk cId="196383634" sldId="455"/>
+            <ac:spMk id="5" creationId="{BDC071F4-ECA5-BA48-AAD5-E8ED4595DA04}"/>
+          </ac:spMkLst>
+        </pc:spChg>
+        <pc:spChg chg="add del mod">
+          <ac:chgData name="Lin  Chen" userId="5b8d33d8-9b1a-4612-8f39-9bee1ddd9437" providerId="ADAL" clId="{93BA1E31-8175-4140-A759-95F8F332199D}" dt="2020-11-24T17:43:26.581" v="220" actId="478"/>
+          <ac:spMkLst>
+            <pc:docMk/>
+            <pc:sldMk cId="196383634" sldId="455"/>
+            <ac:spMk id="8" creationId="{55D7A1CD-BEB7-5842-8C4B-F30D8277C7B1}"/>
+          </ac:spMkLst>
+        </pc:spChg>
+        <pc:picChg chg="del">
+          <ac:chgData name="Lin  Chen" userId="5b8d33d8-9b1a-4612-8f39-9bee1ddd9437" providerId="ADAL" clId="{93BA1E31-8175-4140-A759-95F8F332199D}" dt="2020-11-24T17:42:23.280" v="38" actId="478"/>
+          <ac:picMkLst>
+            <pc:docMk/>
+            <pc:sldMk cId="196383634" sldId="455"/>
+            <ac:picMk id="6" creationId="{1048170C-AB69-46E9-BFB6-2497CDE88833}"/>
+          </ac:picMkLst>
+        </pc:picChg>
+      </pc:sldChg>
+      <pc:sldChg chg="modSp add mod">
+        <pc:chgData name="Lin  Chen" userId="5b8d33d8-9b1a-4612-8f39-9bee1ddd9437" providerId="ADAL" clId="{93BA1E31-8175-4140-A759-95F8F332199D}" dt="2020-11-24T17:47:32.004" v="381" actId="20577"/>
+        <pc:sldMkLst>
+          <pc:docMk/>
+          <pc:sldMk cId="1447293120" sldId="456"/>
+        </pc:sldMkLst>
+        <pc:spChg chg="mod">
+          <ac:chgData name="Lin  Chen" userId="5b8d33d8-9b1a-4612-8f39-9bee1ddd9437" providerId="ADAL" clId="{93BA1E31-8175-4140-A759-95F8F332199D}" dt="2020-11-24T17:47:32.004" v="381" actId="20577"/>
+          <ac:spMkLst>
+            <pc:docMk/>
+            <pc:sldMk cId="1447293120" sldId="456"/>
+            <ac:spMk id="5" creationId="{BDC071F4-ECA5-BA48-AAD5-E8ED4595DA04}"/>
+          </ac:spMkLst>
+        </pc:spChg>
+      </pc:sldChg>
+      <pc:sldChg chg="addSp delSp modSp add mod">
+        <pc:chgData name="Lin  Chen" userId="5b8d33d8-9b1a-4612-8f39-9bee1ddd9437" providerId="ADAL" clId="{93BA1E31-8175-4140-A759-95F8F332199D}" dt="2020-11-24T17:54:04.241" v="391" actId="14100"/>
+        <pc:sldMkLst>
+          <pc:docMk/>
+          <pc:sldMk cId="3195993275" sldId="457"/>
+        </pc:sldMkLst>
+        <pc:spChg chg="add del mod">
+          <ac:chgData name="Lin  Chen" userId="5b8d33d8-9b1a-4612-8f39-9bee1ddd9437" providerId="ADAL" clId="{93BA1E31-8175-4140-A759-95F8F332199D}" dt="2020-11-24T17:47:41.851" v="384" actId="478"/>
+          <ac:spMkLst>
+            <pc:docMk/>
+            <pc:sldMk cId="3195993275" sldId="457"/>
+            <ac:spMk id="3" creationId="{51151877-A964-0948-A890-4E048AD8C895}"/>
+          </ac:spMkLst>
+        </pc:spChg>
+        <pc:spChg chg="add del mod">
+          <ac:chgData name="Lin  Chen" userId="5b8d33d8-9b1a-4612-8f39-9bee1ddd9437" providerId="ADAL" clId="{93BA1E31-8175-4140-A759-95F8F332199D}" dt="2020-11-24T17:53:38.538" v="386"/>
+          <ac:spMkLst>
+            <pc:docMk/>
+            <pc:sldMk cId="3195993275" sldId="457"/>
+            <ac:spMk id="4" creationId="{9F2201E3-B887-5745-92D8-83BFFD40E77C}"/>
+          </ac:spMkLst>
+        </pc:spChg>
+        <pc:spChg chg="del">
+          <ac:chgData name="Lin  Chen" userId="5b8d33d8-9b1a-4612-8f39-9bee1ddd9437" providerId="ADAL" clId="{93BA1E31-8175-4140-A759-95F8F332199D}" dt="2020-11-24T17:47:39.977" v="383" actId="478"/>
+          <ac:spMkLst>
+            <pc:docMk/>
+            <pc:sldMk cId="3195993275" sldId="457"/>
+            <ac:spMk id="5" creationId="{BDC071F4-ECA5-BA48-AAD5-E8ED4595DA04}"/>
+          </ac:spMkLst>
+        </pc:spChg>
+        <pc:picChg chg="add mod">
+          <ac:chgData name="Lin  Chen" userId="5b8d33d8-9b1a-4612-8f39-9bee1ddd9437" providerId="ADAL" clId="{93BA1E31-8175-4140-A759-95F8F332199D}" dt="2020-11-24T17:54:04.241" v="391" actId="14100"/>
+          <ac:picMkLst>
+            <pc:docMk/>
+            <pc:sldMk cId="3195993275" sldId="457"/>
+            <ac:picMk id="7" creationId="{11DB6DD5-564D-A546-B9A2-558CE4F0F312}"/>
+          </ac:picMkLst>
+        </pc:picChg>
+      </pc:sldChg>
+      <pc:sldChg chg="addSp delSp modSp add mod">
+        <pc:chgData name="Lin  Chen" userId="5b8d33d8-9b1a-4612-8f39-9bee1ddd9437" providerId="ADAL" clId="{93BA1E31-8175-4140-A759-95F8F332199D}" dt="2020-11-24T17:55:34.944" v="398" actId="14100"/>
+        <pc:sldMkLst>
+          <pc:docMk/>
+          <pc:sldMk cId="4042470851" sldId="458"/>
+        </pc:sldMkLst>
+        <pc:picChg chg="add mod">
+          <ac:chgData name="Lin  Chen" userId="5b8d33d8-9b1a-4612-8f39-9bee1ddd9437" providerId="ADAL" clId="{93BA1E31-8175-4140-A759-95F8F332199D}" dt="2020-11-24T17:55:34.944" v="398" actId="14100"/>
+          <ac:picMkLst>
+            <pc:docMk/>
+            <pc:sldMk cId="4042470851" sldId="458"/>
+            <ac:picMk id="3" creationId="{CA497CAA-330D-7742-8180-BB2667BFB675}"/>
+          </ac:picMkLst>
+        </pc:picChg>
+        <pc:picChg chg="del">
+          <ac:chgData name="Lin  Chen" userId="5b8d33d8-9b1a-4612-8f39-9bee1ddd9437" providerId="ADAL" clId="{93BA1E31-8175-4140-A759-95F8F332199D}" dt="2020-11-24T17:54:09.614" v="393" actId="478"/>
+          <ac:picMkLst>
+            <pc:docMk/>
+            <pc:sldMk cId="4042470851" sldId="458"/>
+            <ac:picMk id="7" creationId="{11DB6DD5-564D-A546-B9A2-558CE4F0F312}"/>
+          </ac:picMkLst>
+        </pc:picChg>
+      </pc:sldChg>
+      <pc:sldChg chg="addSp delSp modSp add mod">
+        <pc:chgData name="Lin  Chen" userId="5b8d33d8-9b1a-4612-8f39-9bee1ddd9437" providerId="ADAL" clId="{93BA1E31-8175-4140-A759-95F8F332199D}" dt="2020-11-24T17:57:09.057" v="405" actId="1076"/>
+        <pc:sldMkLst>
+          <pc:docMk/>
+          <pc:sldMk cId="2727608556" sldId="459"/>
+        </pc:sldMkLst>
+        <pc:picChg chg="del">
+          <ac:chgData name="Lin  Chen" userId="5b8d33d8-9b1a-4612-8f39-9bee1ddd9437" providerId="ADAL" clId="{93BA1E31-8175-4140-A759-95F8F332199D}" dt="2020-11-24T17:55:40.993" v="400" actId="478"/>
+          <ac:picMkLst>
+            <pc:docMk/>
+            <pc:sldMk cId="2727608556" sldId="459"/>
+            <ac:picMk id="3" creationId="{CA497CAA-330D-7742-8180-BB2667BFB675}"/>
+          </ac:picMkLst>
+        </pc:picChg>
+        <pc:picChg chg="add mod">
+          <ac:chgData name="Lin  Chen" userId="5b8d33d8-9b1a-4612-8f39-9bee1ddd9437" providerId="ADAL" clId="{93BA1E31-8175-4140-A759-95F8F332199D}" dt="2020-11-24T17:57:09.057" v="405" actId="1076"/>
+          <ac:picMkLst>
+            <pc:docMk/>
+            <pc:sldMk cId="2727608556" sldId="459"/>
+            <ac:picMk id="4" creationId="{779C6F10-22A4-D545-9128-EF1F7C56C98D}"/>
+          </ac:picMkLst>
+        </pc:picChg>
+      </pc:sldChg>
+      <pc:sldChg chg="addSp delSp modSp add mod">
+        <pc:chgData name="Lin  Chen" userId="5b8d33d8-9b1a-4612-8f39-9bee1ddd9437" providerId="ADAL" clId="{93BA1E31-8175-4140-A759-95F8F332199D}" dt="2020-11-24T17:58:43.225" v="412" actId="14100"/>
+        <pc:sldMkLst>
+          <pc:docMk/>
+          <pc:sldMk cId="2905925159" sldId="460"/>
+        </pc:sldMkLst>
+        <pc:picChg chg="add mod">
+          <ac:chgData name="Lin  Chen" userId="5b8d33d8-9b1a-4612-8f39-9bee1ddd9437" providerId="ADAL" clId="{93BA1E31-8175-4140-A759-95F8F332199D}" dt="2020-11-24T17:58:43.225" v="412" actId="14100"/>
+          <ac:picMkLst>
+            <pc:docMk/>
+            <pc:sldMk cId="2905925159" sldId="460"/>
+            <ac:picMk id="3" creationId="{768BC46A-9C07-4B4F-B919-762314CBC381}"/>
+          </ac:picMkLst>
+        </pc:picChg>
+        <pc:picChg chg="del">
+          <ac:chgData name="Lin  Chen" userId="5b8d33d8-9b1a-4612-8f39-9bee1ddd9437" providerId="ADAL" clId="{93BA1E31-8175-4140-A759-95F8F332199D}" dt="2020-11-24T17:57:13.249" v="407" actId="478"/>
+          <ac:picMkLst>
+            <pc:docMk/>
+            <pc:sldMk cId="2905925159" sldId="460"/>
+            <ac:picMk id="4" creationId="{779C6F10-22A4-D545-9128-EF1F7C56C98D}"/>
+          </ac:picMkLst>
+        </pc:picChg>
+      </pc:sldChg>
+      <pc:sldChg chg="addSp delSp modSp add mod">
+        <pc:chgData name="Lin  Chen" userId="5b8d33d8-9b1a-4612-8f39-9bee1ddd9437" providerId="ADAL" clId="{93BA1E31-8175-4140-A759-95F8F332199D}" dt="2020-11-24T18:00:31.618" v="419" actId="14100"/>
+        <pc:sldMkLst>
+          <pc:docMk/>
+          <pc:sldMk cId="409261650" sldId="461"/>
+        </pc:sldMkLst>
+        <pc:picChg chg="del">
+          <ac:chgData name="Lin  Chen" userId="5b8d33d8-9b1a-4612-8f39-9bee1ddd9437" providerId="ADAL" clId="{93BA1E31-8175-4140-A759-95F8F332199D}" dt="2020-11-24T17:58:59.312" v="414" actId="478"/>
+          <ac:picMkLst>
+            <pc:docMk/>
+            <pc:sldMk cId="409261650" sldId="461"/>
+            <ac:picMk id="3" creationId="{768BC46A-9C07-4B4F-B919-762314CBC381}"/>
+          </ac:picMkLst>
+        </pc:picChg>
+        <pc:picChg chg="add mod">
+          <ac:chgData name="Lin  Chen" userId="5b8d33d8-9b1a-4612-8f39-9bee1ddd9437" providerId="ADAL" clId="{93BA1E31-8175-4140-A759-95F8F332199D}" dt="2020-11-24T18:00:31.618" v="419" actId="14100"/>
+          <ac:picMkLst>
+            <pc:docMk/>
+            <pc:sldMk cId="409261650" sldId="461"/>
+            <ac:picMk id="4" creationId="{85A960D9-717A-F64D-85A4-8A999ED378F7}"/>
+          </ac:picMkLst>
+        </pc:picChg>
+      </pc:sldChg>
+      <pc:sldChg chg="addSp delSp modSp add mod">
+        <pc:chgData name="Lin  Chen" userId="5b8d33d8-9b1a-4612-8f39-9bee1ddd9437" providerId="ADAL" clId="{93BA1E31-8175-4140-A759-95F8F332199D}" dt="2020-11-24T18:02:53.768" v="427" actId="14100"/>
+        <pc:sldMkLst>
+          <pc:docMk/>
+          <pc:sldMk cId="35887768" sldId="462"/>
+        </pc:sldMkLst>
+        <pc:picChg chg="add mod">
+          <ac:chgData name="Lin  Chen" userId="5b8d33d8-9b1a-4612-8f39-9bee1ddd9437" providerId="ADAL" clId="{93BA1E31-8175-4140-A759-95F8F332199D}" dt="2020-11-24T18:02:53.768" v="427" actId="14100"/>
+          <ac:picMkLst>
+            <pc:docMk/>
+            <pc:sldMk cId="35887768" sldId="462"/>
+            <ac:picMk id="3" creationId="{89F0CB0E-C9C3-9345-887B-8B6D0D1DA7EA}"/>
+          </ac:picMkLst>
+        </pc:picChg>
+        <pc:picChg chg="del">
+          <ac:chgData name="Lin  Chen" userId="5b8d33d8-9b1a-4612-8f39-9bee1ddd9437" providerId="ADAL" clId="{93BA1E31-8175-4140-A759-95F8F332199D}" dt="2020-11-24T18:00:36.386" v="421" actId="478"/>
+          <ac:picMkLst>
+            <pc:docMk/>
+            <pc:sldMk cId="35887768" sldId="462"/>
+            <ac:picMk id="4" creationId="{85A960D9-717A-F64D-85A4-8A999ED378F7}"/>
+          </ac:picMkLst>
+        </pc:picChg>
+      </pc:sldChg>
+      <pc:sldChg chg="addSp delSp modSp add mod">
+        <pc:chgData name="Lin  Chen" userId="5b8d33d8-9b1a-4612-8f39-9bee1ddd9437" providerId="ADAL" clId="{93BA1E31-8175-4140-A759-95F8F332199D}" dt="2020-11-24T18:05:56.334" v="434" actId="14100"/>
+        <pc:sldMkLst>
+          <pc:docMk/>
+          <pc:sldMk cId="4179327687" sldId="463"/>
+        </pc:sldMkLst>
+        <pc:picChg chg="del">
+          <ac:chgData name="Lin  Chen" userId="5b8d33d8-9b1a-4612-8f39-9bee1ddd9437" providerId="ADAL" clId="{93BA1E31-8175-4140-A759-95F8F332199D}" dt="2020-11-24T18:02:58.585" v="429" actId="478"/>
+          <ac:picMkLst>
+            <pc:docMk/>
+            <pc:sldMk cId="4179327687" sldId="463"/>
+            <ac:picMk id="3" creationId="{89F0CB0E-C9C3-9345-887B-8B6D0D1DA7EA}"/>
+          </ac:picMkLst>
+        </pc:picChg>
+        <pc:picChg chg="add mod">
+          <ac:chgData name="Lin  Chen" userId="5b8d33d8-9b1a-4612-8f39-9bee1ddd9437" providerId="ADAL" clId="{93BA1E31-8175-4140-A759-95F8F332199D}" dt="2020-11-24T18:05:56.334" v="434" actId="14100"/>
+          <ac:picMkLst>
+            <pc:docMk/>
+            <pc:sldMk cId="4179327687" sldId="463"/>
+            <ac:picMk id="4" creationId="{D79159FD-BA5F-D94A-B9C5-4B8BE3802F87}"/>
+          </ac:picMkLst>
+        </pc:picChg>
+      </pc:sldChg>
+      <pc:sldChg chg="addSp delSp modSp add mod">
+        <pc:chgData name="Lin  Chen" userId="5b8d33d8-9b1a-4612-8f39-9bee1ddd9437" providerId="ADAL" clId="{93BA1E31-8175-4140-A759-95F8F332199D}" dt="2020-11-24T18:07:03.311" v="446" actId="14100"/>
+        <pc:sldMkLst>
+          <pc:docMk/>
+          <pc:sldMk cId="975439513" sldId="464"/>
+        </pc:sldMkLst>
+        <pc:picChg chg="add mod">
+          <ac:chgData name="Lin  Chen" userId="5b8d33d8-9b1a-4612-8f39-9bee1ddd9437" providerId="ADAL" clId="{93BA1E31-8175-4140-A759-95F8F332199D}" dt="2020-11-24T18:07:03.311" v="446" actId="14100"/>
+          <ac:picMkLst>
+            <pc:docMk/>
+            <pc:sldMk cId="975439513" sldId="464"/>
+            <ac:picMk id="3" creationId="{37DD9D16-3FE9-1647-B7D0-583269CBEB63}"/>
+          </ac:picMkLst>
+        </pc:picChg>
+        <pc:picChg chg="del">
+          <ac:chgData name="Lin  Chen" userId="5b8d33d8-9b1a-4612-8f39-9bee1ddd9437" providerId="ADAL" clId="{93BA1E31-8175-4140-A759-95F8F332199D}" dt="2020-11-24T18:06:02.019" v="436" actId="478"/>
+          <ac:picMkLst>
+            <pc:docMk/>
+            <pc:sldMk cId="975439513" sldId="464"/>
+            <ac:picMk id="4" creationId="{D79159FD-BA5F-D94A-B9C5-4B8BE3802F87}"/>
+          </ac:picMkLst>
+        </pc:picChg>
+      </pc:sldChg>
+      <pc:sldChg chg="addSp delSp modSp add mod">
+        <pc:chgData name="Lin  Chen" userId="5b8d33d8-9b1a-4612-8f39-9bee1ddd9437" providerId="ADAL" clId="{93BA1E31-8175-4140-A759-95F8F332199D}" dt="2020-11-24T18:08:37.571" v="459" actId="14100"/>
+        <pc:sldMkLst>
+          <pc:docMk/>
+          <pc:sldMk cId="3663127039" sldId="465"/>
+        </pc:sldMkLst>
+        <pc:picChg chg="del">
+          <ac:chgData name="Lin  Chen" userId="5b8d33d8-9b1a-4612-8f39-9bee1ddd9437" providerId="ADAL" clId="{93BA1E31-8175-4140-A759-95F8F332199D}" dt="2020-11-24T18:06:57.506" v="444" actId="478"/>
+          <ac:picMkLst>
+            <pc:docMk/>
+            <pc:sldMk cId="3663127039" sldId="465"/>
+            <ac:picMk id="3" creationId="{37DD9D16-3FE9-1647-B7D0-583269CBEB63}"/>
+          </ac:picMkLst>
+        </pc:picChg>
+        <pc:picChg chg="add del mod">
+          <ac:chgData name="Lin  Chen" userId="5b8d33d8-9b1a-4612-8f39-9bee1ddd9437" providerId="ADAL" clId="{93BA1E31-8175-4140-A759-95F8F332199D}" dt="2020-11-24T18:08:32.228" v="454" actId="478"/>
+          <ac:picMkLst>
+            <pc:docMk/>
+            <pc:sldMk cId="3663127039" sldId="465"/>
+            <ac:picMk id="4" creationId="{BF153D64-16BF-7E44-91B2-9C49414E188A}"/>
+          </ac:picMkLst>
+        </pc:picChg>
+        <pc:picChg chg="add mod">
+          <ac:chgData name="Lin  Chen" userId="5b8d33d8-9b1a-4612-8f39-9bee1ddd9437" providerId="ADAL" clId="{93BA1E31-8175-4140-A759-95F8F332199D}" dt="2020-11-24T18:08:37.571" v="459" actId="14100"/>
+          <ac:picMkLst>
+            <pc:docMk/>
+            <pc:sldMk cId="3663127039" sldId="465"/>
+            <ac:picMk id="6" creationId="{1CB8B7E1-CAAC-BA4E-B488-D280143834DE}"/>
+          </ac:picMkLst>
+        </pc:picChg>
+      </pc:sldChg>
+      <pc:sldChg chg="addSp delSp modSp add mod">
+        <pc:chgData name="Lin  Chen" userId="5b8d33d8-9b1a-4612-8f39-9bee1ddd9437" providerId="ADAL" clId="{93BA1E31-8175-4140-A759-95F8F332199D}" dt="2020-11-24T18:09:13.061" v="464" actId="14100"/>
+        <pc:sldMkLst>
+          <pc:docMk/>
+          <pc:sldMk cId="81267385" sldId="466"/>
+        </pc:sldMkLst>
+        <pc:picChg chg="add mod">
+          <ac:chgData name="Lin  Chen" userId="5b8d33d8-9b1a-4612-8f39-9bee1ddd9437" providerId="ADAL" clId="{93BA1E31-8175-4140-A759-95F8F332199D}" dt="2020-11-24T18:09:13.061" v="464" actId="14100"/>
+          <ac:picMkLst>
+            <pc:docMk/>
+            <pc:sldMk cId="81267385" sldId="466"/>
+            <ac:picMk id="3" creationId="{CF6F4305-ABD9-0541-A3CD-64C7C2D8891C}"/>
+          </ac:picMkLst>
+        </pc:picChg>
+        <pc:picChg chg="del">
+          <ac:chgData name="Lin  Chen" userId="5b8d33d8-9b1a-4612-8f39-9bee1ddd9437" providerId="ADAL" clId="{93BA1E31-8175-4140-A759-95F8F332199D}" dt="2020-11-24T18:07:48.267" v="453" actId="478"/>
+          <ac:picMkLst>
+            <pc:docMk/>
+            <pc:sldMk cId="81267385" sldId="466"/>
+            <ac:picMk id="4" creationId="{BF153D64-16BF-7E44-91B2-9C49414E188A}"/>
+          </ac:picMkLst>
+        </pc:picChg>
       </pc:sldChg>
     </pc:docChg>
   </pc:docChgLst>
@@ -18649,6 +19009,445 @@
 </p:sld>
 </file>
 
+<file path=ppt/slides/slide54.xml><?xml version="1.0" encoding="utf-8"?>
+<p:sld xmlns:a="http://schemas.openxmlformats.org/drawingml/2006/main" xmlns:r="http://schemas.openxmlformats.org/officeDocument/2006/relationships" xmlns:p="http://schemas.openxmlformats.org/presentationml/2006/main">
+  <p:cSld>
+    <p:spTree>
+      <p:nvGrpSpPr>
+        <p:cNvPr id="1" name=""/>
+        <p:cNvGrpSpPr/>
+        <p:nvPr/>
+      </p:nvGrpSpPr>
+      <p:grpSpPr>
+        <a:xfrm>
+          <a:off x="0" y="0"/>
+          <a:ext cx="0" cy="0"/>
+          <a:chOff x="0" y="0"/>
+          <a:chExt cx="0" cy="0"/>
+        </a:xfrm>
+      </p:grpSpPr>
+      <p:sp>
+        <p:nvSpPr>
+          <p:cNvPr id="2" name="Title 1"/>
+          <p:cNvSpPr>
+            <a:spLocks noGrp="1"/>
+          </p:cNvSpPr>
+          <p:nvPr>
+            <p:ph type="ctrTitle"/>
+          </p:nvPr>
+        </p:nvSpPr>
+        <p:spPr/>
+        <p:txBody>
+          <a:bodyPr/>
+          <a:lstStyle/>
+          <a:p>
+            <a:r>
+              <a:rPr lang="en-US" dirty="0"/>
+              <a:t>Minimum Spanning Trees</a:t>
+            </a:r>
+          </a:p>
+        </p:txBody>
+      </p:sp>
+      <p:sp>
+        <p:nvSpPr>
+          <p:cNvPr id="3" name="Subtitle 2"/>
+          <p:cNvSpPr>
+            <a:spLocks noGrp="1"/>
+          </p:cNvSpPr>
+          <p:nvPr>
+            <p:ph type="subTitle" idx="1"/>
+          </p:nvPr>
+        </p:nvSpPr>
+        <p:spPr/>
+        <p:txBody>
+          <a:bodyPr/>
+          <a:lstStyle/>
+          <a:p>
+            <a:r>
+              <a:rPr lang="en-US" dirty="0"/>
+              <a:t>Section </a:t>
+            </a:r>
+            <a:r>
+              <a:rPr lang="en-US" dirty="0">
+                <a:latin typeface="Cambria Math" pitchFamily="18" charset="0"/>
+                <a:ea typeface="Cambria Math" pitchFamily="18" charset="0"/>
+              </a:rPr>
+              <a:t>11.5</a:t>
+            </a:r>
+          </a:p>
+        </p:txBody>
+      </p:sp>
+    </p:spTree>
+    <p:extLst>
+      <p:ext uri="{BB962C8B-B14F-4D97-AF65-F5344CB8AC3E}">
+        <p14:creationId xmlns:p14="http://schemas.microsoft.com/office/powerpoint/2010/main" val="1926501493"/>
+      </p:ext>
+    </p:extLst>
+  </p:cSld>
+  <p:clrMapOvr>
+    <a:masterClrMapping/>
+  </p:clrMapOvr>
+</p:sld>
+</file>
+
+<file path=ppt/slides/slide55.xml><?xml version="1.0" encoding="utf-8"?>
+<p:sld xmlns:a="http://schemas.openxmlformats.org/drawingml/2006/main" xmlns:r="http://schemas.openxmlformats.org/officeDocument/2006/relationships" xmlns:p="http://schemas.openxmlformats.org/presentationml/2006/main">
+  <p:cSld>
+    <p:spTree>
+      <p:nvGrpSpPr>
+        <p:cNvPr id="1" name=""/>
+        <p:cNvGrpSpPr/>
+        <p:nvPr/>
+      </p:nvGrpSpPr>
+      <p:grpSpPr>
+        <a:xfrm>
+          <a:off x="0" y="0"/>
+          <a:ext cx="0" cy="0"/>
+          <a:chOff x="0" y="0"/>
+          <a:chExt cx="0" cy="0"/>
+        </a:xfrm>
+      </p:grpSpPr>
+      <p:sp>
+        <p:nvSpPr>
+          <p:cNvPr id="5" name="Content Placeholder 4">
+            <a:extLst>
+              <a:ext uri="{FF2B5EF4-FFF2-40B4-BE49-F238E27FC236}">
+                <a16:creationId xmlns:a16="http://schemas.microsoft.com/office/drawing/2014/main" id="{BDC071F4-ECA5-BA48-AAD5-E8ED4595DA04}"/>
+              </a:ext>
+            </a:extLst>
+          </p:cNvPr>
+          <p:cNvSpPr>
+            <a:spLocks noGrp="1"/>
+          </p:cNvSpPr>
+          <p:nvPr>
+            <p:ph idx="1"/>
+          </p:nvPr>
+        </p:nvSpPr>
+        <p:spPr/>
+        <p:txBody>
+          <a:bodyPr/>
+          <a:lstStyle/>
+          <a:p>
+            <a:r>
+              <a:rPr lang="en-US" dirty="0"/>
+              <a:t>A minimum spanning tree in a connected weighted graph is a spanning tree that </a:t>
+            </a:r>
+            <a:r>
+              <a:rPr lang="en-US" dirty="0" err="1"/>
+              <a:t>thas</a:t>
+            </a:r>
+            <a:r>
+              <a:rPr lang="en-US" dirty="0"/>
+              <a:t> the smallest possible sum of weights of it edges</a:t>
+            </a:r>
+          </a:p>
+        </p:txBody>
+      </p:sp>
+    </p:spTree>
+    <p:extLst>
+      <p:ext uri="{BB962C8B-B14F-4D97-AF65-F5344CB8AC3E}">
+        <p14:creationId xmlns:p14="http://schemas.microsoft.com/office/powerpoint/2010/main" val="196383634"/>
+      </p:ext>
+    </p:extLst>
+  </p:cSld>
+  <p:clrMapOvr>
+    <a:masterClrMapping/>
+  </p:clrMapOvr>
+</p:sld>
+</file>
+
+<file path=ppt/slides/slide56.xml><?xml version="1.0" encoding="utf-8"?>
+<p:sld xmlns:a="http://schemas.openxmlformats.org/drawingml/2006/main" xmlns:r="http://schemas.openxmlformats.org/officeDocument/2006/relationships" xmlns:p="http://schemas.openxmlformats.org/presentationml/2006/main">
+  <p:cSld>
+    <p:spTree>
+      <p:nvGrpSpPr>
+        <p:cNvPr id="1" name=""/>
+        <p:cNvGrpSpPr/>
+        <p:nvPr/>
+      </p:nvGrpSpPr>
+      <p:grpSpPr>
+        <a:xfrm>
+          <a:off x="0" y="0"/>
+          <a:ext cx="0" cy="0"/>
+          <a:chOff x="0" y="0"/>
+          <a:chExt cx="0" cy="0"/>
+        </a:xfrm>
+      </p:grpSpPr>
+      <p:sp>
+        <p:nvSpPr>
+          <p:cNvPr id="5" name="Content Placeholder 4">
+            <a:extLst>
+              <a:ext uri="{FF2B5EF4-FFF2-40B4-BE49-F238E27FC236}">
+                <a16:creationId xmlns:a16="http://schemas.microsoft.com/office/drawing/2014/main" id="{BDC071F4-ECA5-BA48-AAD5-E8ED4595DA04}"/>
+              </a:ext>
+            </a:extLst>
+          </p:cNvPr>
+          <p:cNvSpPr>
+            <a:spLocks noGrp="1"/>
+          </p:cNvSpPr>
+          <p:nvPr>
+            <p:ph idx="1"/>
+          </p:nvPr>
+        </p:nvSpPr>
+        <p:spPr/>
+        <p:txBody>
+          <a:bodyPr/>
+          <a:lstStyle/>
+          <a:p>
+            <a:r>
+              <a:rPr lang="en-US" dirty="0"/>
+              <a:t>Procedure Prim(G)</a:t>
+            </a:r>
+          </a:p>
+          <a:p>
+            <a:pPr lvl="1"/>
+            <a:r>
+              <a:rPr lang="en-US" dirty="0"/>
+              <a:t>T:= {a}</a:t>
+            </a:r>
+          </a:p>
+          <a:p>
+            <a:pPr lvl="1"/>
+            <a:r>
+              <a:rPr lang="en-US" dirty="0"/>
+              <a:t>For </a:t>
+            </a:r>
+            <a:r>
+              <a:rPr lang="en-US" dirty="0" err="1"/>
+              <a:t>i</a:t>
+            </a:r>
+            <a:r>
+              <a:rPr lang="en-US" dirty="0"/>
+              <a:t>:= 2 to n</a:t>
+            </a:r>
+          </a:p>
+          <a:p>
+            <a:pPr lvl="2"/>
+            <a:r>
+              <a:rPr lang="en-US" dirty="0"/>
+              <a:t>e := a minimum weighted edge incident to T without forming a circuit</a:t>
+            </a:r>
+          </a:p>
+          <a:p>
+            <a:pPr lvl="2"/>
+            <a:r>
+              <a:rPr lang="en-US" dirty="0"/>
+              <a:t>Add e to T</a:t>
+            </a:r>
+          </a:p>
+        </p:txBody>
+      </p:sp>
+    </p:spTree>
+    <p:extLst>
+      <p:ext uri="{BB962C8B-B14F-4D97-AF65-F5344CB8AC3E}">
+        <p14:creationId xmlns:p14="http://schemas.microsoft.com/office/powerpoint/2010/main" val="1447293120"/>
+      </p:ext>
+    </p:extLst>
+  </p:cSld>
+  <p:clrMapOvr>
+    <a:masterClrMapping/>
+  </p:clrMapOvr>
+</p:sld>
+</file>
+
+<file path=ppt/slides/slide57.xml><?xml version="1.0" encoding="utf-8"?>
+<p:sld xmlns:a="http://schemas.openxmlformats.org/drawingml/2006/main" xmlns:r="http://schemas.openxmlformats.org/officeDocument/2006/relationships" xmlns:p="http://schemas.openxmlformats.org/presentationml/2006/main">
+  <p:cSld>
+    <p:spTree>
+      <p:nvGrpSpPr>
+        <p:cNvPr id="1" name=""/>
+        <p:cNvGrpSpPr/>
+        <p:nvPr/>
+      </p:nvGrpSpPr>
+      <p:grpSpPr>
+        <a:xfrm>
+          <a:off x="0" y="0"/>
+          <a:ext cx="0" cy="0"/>
+          <a:chOff x="0" y="0"/>
+          <a:chExt cx="0" cy="0"/>
+        </a:xfrm>
+      </p:grpSpPr>
+      <p:pic>
+        <p:nvPicPr>
+          <p:cNvPr id="7" name="Picture 6" descr="Diagram, schematic&#10;&#10;Description automatically generated">
+            <a:extLst>
+              <a:ext uri="{FF2B5EF4-FFF2-40B4-BE49-F238E27FC236}">
+                <a16:creationId xmlns:a16="http://schemas.microsoft.com/office/drawing/2014/main" id="{11DB6DD5-564D-A546-B9A2-558CE4F0F312}"/>
+              </a:ext>
+            </a:extLst>
+          </p:cNvPr>
+          <p:cNvPicPr>
+            <a:picLocks noChangeAspect="1"/>
+          </p:cNvPicPr>
+          <p:nvPr/>
+        </p:nvPicPr>
+        <p:blipFill>
+          <a:blip r:embed="rId2">
+            <a:extLst>
+              <a:ext uri="{28A0092B-C50C-407E-A947-70E740481C1C}">
+                <a14:useLocalDpi xmlns:a14="http://schemas.microsoft.com/office/drawing/2010/main" val="0"/>
+              </a:ext>
+            </a:extLst>
+          </a:blip>
+          <a:stretch>
+            <a:fillRect/>
+          </a:stretch>
+        </p:blipFill>
+        <p:spPr>
+          <a:xfrm>
+            <a:off x="1600200" y="2209800"/>
+            <a:ext cx="5486400" cy="2743200"/>
+          </a:xfrm>
+          <a:prstGeom prst="rect">
+            <a:avLst/>
+          </a:prstGeom>
+        </p:spPr>
+      </p:pic>
+    </p:spTree>
+    <p:extLst>
+      <p:ext uri="{BB962C8B-B14F-4D97-AF65-F5344CB8AC3E}">
+        <p14:creationId xmlns:p14="http://schemas.microsoft.com/office/powerpoint/2010/main" val="3195993275"/>
+      </p:ext>
+    </p:extLst>
+  </p:cSld>
+  <p:clrMapOvr>
+    <a:masterClrMapping/>
+  </p:clrMapOvr>
+</p:sld>
+</file>
+
+<file path=ppt/slides/slide58.xml><?xml version="1.0" encoding="utf-8"?>
+<p:sld xmlns:a="http://schemas.openxmlformats.org/drawingml/2006/main" xmlns:r="http://schemas.openxmlformats.org/officeDocument/2006/relationships" xmlns:p="http://schemas.openxmlformats.org/presentationml/2006/main">
+  <p:cSld>
+    <p:spTree>
+      <p:nvGrpSpPr>
+        <p:cNvPr id="1" name=""/>
+        <p:cNvGrpSpPr/>
+        <p:nvPr/>
+      </p:nvGrpSpPr>
+      <p:grpSpPr>
+        <a:xfrm>
+          <a:off x="0" y="0"/>
+          <a:ext cx="0" cy="0"/>
+          <a:chOff x="0" y="0"/>
+          <a:chExt cx="0" cy="0"/>
+        </a:xfrm>
+      </p:grpSpPr>
+      <p:pic>
+        <p:nvPicPr>
+          <p:cNvPr id="3" name="Picture 2" descr="Diagram&#10;&#10;Description automatically generated">
+            <a:extLst>
+              <a:ext uri="{FF2B5EF4-FFF2-40B4-BE49-F238E27FC236}">
+                <a16:creationId xmlns:a16="http://schemas.microsoft.com/office/drawing/2014/main" id="{CA497CAA-330D-7742-8180-BB2667BFB675}"/>
+              </a:ext>
+            </a:extLst>
+          </p:cNvPr>
+          <p:cNvPicPr>
+            <a:picLocks noChangeAspect="1"/>
+          </p:cNvPicPr>
+          <p:nvPr/>
+        </p:nvPicPr>
+        <p:blipFill>
+          <a:blip r:embed="rId2">
+            <a:extLst>
+              <a:ext uri="{28A0092B-C50C-407E-A947-70E740481C1C}">
+                <a14:useLocalDpi xmlns:a14="http://schemas.microsoft.com/office/drawing/2010/main" val="0"/>
+              </a:ext>
+            </a:extLst>
+          </a:blip>
+          <a:stretch>
+            <a:fillRect/>
+          </a:stretch>
+        </p:blipFill>
+        <p:spPr>
+          <a:xfrm>
+            <a:off x="1905000" y="1752599"/>
+            <a:ext cx="4114800" cy="4582391"/>
+          </a:xfrm>
+          <a:prstGeom prst="rect">
+            <a:avLst/>
+          </a:prstGeom>
+        </p:spPr>
+      </p:pic>
+    </p:spTree>
+    <p:extLst>
+      <p:ext uri="{BB962C8B-B14F-4D97-AF65-F5344CB8AC3E}">
+        <p14:creationId xmlns:p14="http://schemas.microsoft.com/office/powerpoint/2010/main" val="4042470851"/>
+      </p:ext>
+    </p:extLst>
+  </p:cSld>
+  <p:clrMapOvr>
+    <a:masterClrMapping/>
+  </p:clrMapOvr>
+</p:sld>
+</file>
+
+<file path=ppt/slides/slide59.xml><?xml version="1.0" encoding="utf-8"?>
+<p:sld xmlns:a="http://schemas.openxmlformats.org/drawingml/2006/main" xmlns:r="http://schemas.openxmlformats.org/officeDocument/2006/relationships" xmlns:p="http://schemas.openxmlformats.org/presentationml/2006/main">
+  <p:cSld>
+    <p:spTree>
+      <p:nvGrpSpPr>
+        <p:cNvPr id="1" name=""/>
+        <p:cNvGrpSpPr/>
+        <p:nvPr/>
+      </p:nvGrpSpPr>
+      <p:grpSpPr>
+        <a:xfrm>
+          <a:off x="0" y="0"/>
+          <a:ext cx="0" cy="0"/>
+          <a:chOff x="0" y="0"/>
+          <a:chExt cx="0" cy="0"/>
+        </a:xfrm>
+      </p:grpSpPr>
+      <p:pic>
+        <p:nvPicPr>
+          <p:cNvPr id="4" name="Picture 3" descr="Diagram&#10;&#10;Description automatically generated">
+            <a:extLst>
+              <a:ext uri="{FF2B5EF4-FFF2-40B4-BE49-F238E27FC236}">
+                <a16:creationId xmlns:a16="http://schemas.microsoft.com/office/drawing/2014/main" id="{779C6F10-22A4-D545-9128-EF1F7C56C98D}"/>
+              </a:ext>
+            </a:extLst>
+          </p:cNvPr>
+          <p:cNvPicPr>
+            <a:picLocks noChangeAspect="1"/>
+          </p:cNvPicPr>
+          <p:nvPr/>
+        </p:nvPicPr>
+        <p:blipFill>
+          <a:blip r:embed="rId2">
+            <a:extLst>
+              <a:ext uri="{28A0092B-C50C-407E-A947-70E740481C1C}">
+                <a14:useLocalDpi xmlns:a14="http://schemas.microsoft.com/office/drawing/2010/main" val="0"/>
+              </a:ext>
+            </a:extLst>
+          </a:blip>
+          <a:stretch>
+            <a:fillRect/>
+          </a:stretch>
+        </p:blipFill>
+        <p:spPr>
+          <a:xfrm>
+            <a:off x="2438400" y="1752600"/>
+            <a:ext cx="3791857" cy="4222750"/>
+          </a:xfrm>
+          <a:prstGeom prst="rect">
+            <a:avLst/>
+          </a:prstGeom>
+        </p:spPr>
+      </p:pic>
+    </p:spTree>
+    <p:extLst>
+      <p:ext uri="{BB962C8B-B14F-4D97-AF65-F5344CB8AC3E}">
+        <p14:creationId xmlns:p14="http://schemas.microsoft.com/office/powerpoint/2010/main" val="2727608556"/>
+      </p:ext>
+    </p:extLst>
+  </p:cSld>
+  <p:clrMapOvr>
+    <a:masterClrMapping/>
+  </p:clrMapOvr>
+</p:sld>
+</file>
+
 <file path=ppt/slides/slide6.xml><?xml version="1.0" encoding="utf-8"?>
 <p:sld xmlns:a="http://schemas.openxmlformats.org/drawingml/2006/main" xmlns:r="http://schemas.openxmlformats.org/officeDocument/2006/relationships" xmlns:p="http://schemas.openxmlformats.org/presentationml/2006/main">
   <p:cSld>
@@ -18806,6 +19605,468 @@
     <p:extLst>
       <p:ext uri="{BB962C8B-B14F-4D97-AF65-F5344CB8AC3E}">
         <p14:creationId xmlns:p14="http://schemas.microsoft.com/office/powerpoint/2010/main" val="3512205079"/>
+      </p:ext>
+    </p:extLst>
+  </p:cSld>
+  <p:clrMapOvr>
+    <a:masterClrMapping/>
+  </p:clrMapOvr>
+</p:sld>
+</file>
+
+<file path=ppt/slides/slide60.xml><?xml version="1.0" encoding="utf-8"?>
+<p:sld xmlns:a="http://schemas.openxmlformats.org/drawingml/2006/main" xmlns:r="http://schemas.openxmlformats.org/officeDocument/2006/relationships" xmlns:p="http://schemas.openxmlformats.org/presentationml/2006/main">
+  <p:cSld>
+    <p:spTree>
+      <p:nvGrpSpPr>
+        <p:cNvPr id="1" name=""/>
+        <p:cNvGrpSpPr/>
+        <p:nvPr/>
+      </p:nvGrpSpPr>
+      <p:grpSpPr>
+        <a:xfrm>
+          <a:off x="0" y="0"/>
+          <a:ext cx="0" cy="0"/>
+          <a:chOff x="0" y="0"/>
+          <a:chExt cx="0" cy="0"/>
+        </a:xfrm>
+      </p:grpSpPr>
+      <p:pic>
+        <p:nvPicPr>
+          <p:cNvPr id="3" name="Picture 2" descr="Diagram&#10;&#10;Description automatically generated">
+            <a:extLst>
+              <a:ext uri="{FF2B5EF4-FFF2-40B4-BE49-F238E27FC236}">
+                <a16:creationId xmlns:a16="http://schemas.microsoft.com/office/drawing/2014/main" id="{768BC46A-9C07-4B4F-B919-762314CBC381}"/>
+              </a:ext>
+            </a:extLst>
+          </p:cNvPr>
+          <p:cNvPicPr>
+            <a:picLocks noChangeAspect="1"/>
+          </p:cNvPicPr>
+          <p:nvPr/>
+        </p:nvPicPr>
+        <p:blipFill>
+          <a:blip r:embed="rId2">
+            <a:extLst>
+              <a:ext uri="{28A0092B-C50C-407E-A947-70E740481C1C}">
+                <a14:useLocalDpi xmlns:a14="http://schemas.microsoft.com/office/drawing/2010/main" val="0"/>
+              </a:ext>
+            </a:extLst>
+          </a:blip>
+          <a:stretch>
+            <a:fillRect/>
+          </a:stretch>
+        </p:blipFill>
+        <p:spPr>
+          <a:xfrm>
+            <a:off x="2286000" y="1600200"/>
+            <a:ext cx="3886200" cy="4592782"/>
+          </a:xfrm>
+          <a:prstGeom prst="rect">
+            <a:avLst/>
+          </a:prstGeom>
+        </p:spPr>
+      </p:pic>
+    </p:spTree>
+    <p:extLst>
+      <p:ext uri="{BB962C8B-B14F-4D97-AF65-F5344CB8AC3E}">
+        <p14:creationId xmlns:p14="http://schemas.microsoft.com/office/powerpoint/2010/main" val="2905925159"/>
+      </p:ext>
+    </p:extLst>
+  </p:cSld>
+  <p:clrMapOvr>
+    <a:masterClrMapping/>
+  </p:clrMapOvr>
+</p:sld>
+</file>
+
+<file path=ppt/slides/slide61.xml><?xml version="1.0" encoding="utf-8"?>
+<p:sld xmlns:a="http://schemas.openxmlformats.org/drawingml/2006/main" xmlns:r="http://schemas.openxmlformats.org/officeDocument/2006/relationships" xmlns:p="http://schemas.openxmlformats.org/presentationml/2006/main">
+  <p:cSld>
+    <p:spTree>
+      <p:nvGrpSpPr>
+        <p:cNvPr id="1" name=""/>
+        <p:cNvGrpSpPr/>
+        <p:nvPr/>
+      </p:nvGrpSpPr>
+      <p:grpSpPr>
+        <a:xfrm>
+          <a:off x="0" y="0"/>
+          <a:ext cx="0" cy="0"/>
+          <a:chOff x="0" y="0"/>
+          <a:chExt cx="0" cy="0"/>
+        </a:xfrm>
+      </p:grpSpPr>
+      <p:pic>
+        <p:nvPicPr>
+          <p:cNvPr id="4" name="Picture 3" descr="Diagram&#10;&#10;Description automatically generated">
+            <a:extLst>
+              <a:ext uri="{FF2B5EF4-FFF2-40B4-BE49-F238E27FC236}">
+                <a16:creationId xmlns:a16="http://schemas.microsoft.com/office/drawing/2014/main" id="{85A960D9-717A-F64D-85A4-8A999ED378F7}"/>
+              </a:ext>
+            </a:extLst>
+          </p:cNvPr>
+          <p:cNvPicPr>
+            <a:picLocks noChangeAspect="1"/>
+          </p:cNvPicPr>
+          <p:nvPr/>
+        </p:nvPicPr>
+        <p:blipFill>
+          <a:blip r:embed="rId2">
+            <a:extLst>
+              <a:ext uri="{28A0092B-C50C-407E-A947-70E740481C1C}">
+                <a14:useLocalDpi xmlns:a14="http://schemas.microsoft.com/office/drawing/2010/main" val="0"/>
+              </a:ext>
+            </a:extLst>
+          </a:blip>
+          <a:stretch>
+            <a:fillRect/>
+          </a:stretch>
+        </p:blipFill>
+        <p:spPr>
+          <a:xfrm>
+            <a:off x="2133600" y="1778000"/>
+            <a:ext cx="3657600" cy="4322618"/>
+          </a:xfrm>
+          <a:prstGeom prst="rect">
+            <a:avLst/>
+          </a:prstGeom>
+        </p:spPr>
+      </p:pic>
+    </p:spTree>
+    <p:extLst>
+      <p:ext uri="{BB962C8B-B14F-4D97-AF65-F5344CB8AC3E}">
+        <p14:creationId xmlns:p14="http://schemas.microsoft.com/office/powerpoint/2010/main" val="409261650"/>
+      </p:ext>
+    </p:extLst>
+  </p:cSld>
+  <p:clrMapOvr>
+    <a:masterClrMapping/>
+  </p:clrMapOvr>
+</p:sld>
+</file>
+
+<file path=ppt/slides/slide62.xml><?xml version="1.0" encoding="utf-8"?>
+<p:sld xmlns:a="http://schemas.openxmlformats.org/drawingml/2006/main" xmlns:r="http://schemas.openxmlformats.org/officeDocument/2006/relationships" xmlns:p="http://schemas.openxmlformats.org/presentationml/2006/main">
+  <p:cSld>
+    <p:spTree>
+      <p:nvGrpSpPr>
+        <p:cNvPr id="1" name=""/>
+        <p:cNvGrpSpPr/>
+        <p:nvPr/>
+      </p:nvGrpSpPr>
+      <p:grpSpPr>
+        <a:xfrm>
+          <a:off x="0" y="0"/>
+          <a:ext cx="0" cy="0"/>
+          <a:chOff x="0" y="0"/>
+          <a:chExt cx="0" cy="0"/>
+        </a:xfrm>
+      </p:grpSpPr>
+      <p:pic>
+        <p:nvPicPr>
+          <p:cNvPr id="3" name="Picture 2" descr="A picture containing diagram&#10;&#10;Description automatically generated">
+            <a:extLst>
+              <a:ext uri="{FF2B5EF4-FFF2-40B4-BE49-F238E27FC236}">
+                <a16:creationId xmlns:a16="http://schemas.microsoft.com/office/drawing/2014/main" id="{89F0CB0E-C9C3-9345-887B-8B6D0D1DA7EA}"/>
+              </a:ext>
+            </a:extLst>
+          </p:cNvPr>
+          <p:cNvPicPr>
+            <a:picLocks noChangeAspect="1"/>
+          </p:cNvPicPr>
+          <p:nvPr/>
+        </p:nvPicPr>
+        <p:blipFill>
+          <a:blip r:embed="rId2">
+            <a:extLst>
+              <a:ext uri="{28A0092B-C50C-407E-A947-70E740481C1C}">
+                <a14:useLocalDpi xmlns:a14="http://schemas.microsoft.com/office/drawing/2010/main" val="0"/>
+              </a:ext>
+            </a:extLst>
+          </a:blip>
+          <a:stretch>
+            <a:fillRect/>
+          </a:stretch>
+        </p:blipFill>
+        <p:spPr>
+          <a:xfrm>
+            <a:off x="2057400" y="1778000"/>
+            <a:ext cx="3581400" cy="4232564"/>
+          </a:xfrm>
+          <a:prstGeom prst="rect">
+            <a:avLst/>
+          </a:prstGeom>
+        </p:spPr>
+      </p:pic>
+    </p:spTree>
+    <p:extLst>
+      <p:ext uri="{BB962C8B-B14F-4D97-AF65-F5344CB8AC3E}">
+        <p14:creationId xmlns:p14="http://schemas.microsoft.com/office/powerpoint/2010/main" val="35887768"/>
+      </p:ext>
+    </p:extLst>
+  </p:cSld>
+  <p:clrMapOvr>
+    <a:masterClrMapping/>
+  </p:clrMapOvr>
+</p:sld>
+</file>
+
+<file path=ppt/slides/slide63.xml><?xml version="1.0" encoding="utf-8"?>
+<p:sld xmlns:a="http://schemas.openxmlformats.org/drawingml/2006/main" xmlns:r="http://schemas.openxmlformats.org/officeDocument/2006/relationships" xmlns:p="http://schemas.openxmlformats.org/presentationml/2006/main">
+  <p:cSld>
+    <p:spTree>
+      <p:nvGrpSpPr>
+        <p:cNvPr id="1" name=""/>
+        <p:cNvGrpSpPr/>
+        <p:nvPr/>
+      </p:nvGrpSpPr>
+      <p:grpSpPr>
+        <a:xfrm>
+          <a:off x="0" y="0"/>
+          <a:ext cx="0" cy="0"/>
+          <a:chOff x="0" y="0"/>
+          <a:chExt cx="0" cy="0"/>
+        </a:xfrm>
+      </p:grpSpPr>
+      <p:pic>
+        <p:nvPicPr>
+          <p:cNvPr id="4" name="Picture 3" descr="A picture containing diagram&#10;&#10;Description automatically generated">
+            <a:extLst>
+              <a:ext uri="{FF2B5EF4-FFF2-40B4-BE49-F238E27FC236}">
+                <a16:creationId xmlns:a16="http://schemas.microsoft.com/office/drawing/2014/main" id="{D79159FD-BA5F-D94A-B9C5-4B8BE3802F87}"/>
+              </a:ext>
+            </a:extLst>
+          </p:cNvPr>
+          <p:cNvPicPr>
+            <a:picLocks noChangeAspect="1"/>
+          </p:cNvPicPr>
+          <p:nvPr/>
+        </p:nvPicPr>
+        <p:blipFill>
+          <a:blip r:embed="rId2">
+            <a:extLst>
+              <a:ext uri="{28A0092B-C50C-407E-A947-70E740481C1C}">
+                <a14:useLocalDpi xmlns:a14="http://schemas.microsoft.com/office/drawing/2010/main" val="0"/>
+              </a:ext>
+            </a:extLst>
+          </a:blip>
+          <a:stretch>
+            <a:fillRect/>
+          </a:stretch>
+        </p:blipFill>
+        <p:spPr>
+          <a:xfrm>
+            <a:off x="2209800" y="1600200"/>
+            <a:ext cx="3962400" cy="4682836"/>
+          </a:xfrm>
+          <a:prstGeom prst="rect">
+            <a:avLst/>
+          </a:prstGeom>
+        </p:spPr>
+      </p:pic>
+    </p:spTree>
+    <p:extLst>
+      <p:ext uri="{BB962C8B-B14F-4D97-AF65-F5344CB8AC3E}">
+        <p14:creationId xmlns:p14="http://schemas.microsoft.com/office/powerpoint/2010/main" val="4179327687"/>
+      </p:ext>
+    </p:extLst>
+  </p:cSld>
+  <p:clrMapOvr>
+    <a:masterClrMapping/>
+  </p:clrMapOvr>
+</p:sld>
+</file>
+
+<file path=ppt/slides/slide64.xml><?xml version="1.0" encoding="utf-8"?>
+<p:sld xmlns:a="http://schemas.openxmlformats.org/drawingml/2006/main" xmlns:r="http://schemas.openxmlformats.org/officeDocument/2006/relationships" xmlns:p="http://schemas.openxmlformats.org/presentationml/2006/main">
+  <p:cSld>
+    <p:spTree>
+      <p:nvGrpSpPr>
+        <p:cNvPr id="1" name=""/>
+        <p:cNvGrpSpPr/>
+        <p:nvPr/>
+      </p:nvGrpSpPr>
+      <p:grpSpPr>
+        <a:xfrm>
+          <a:off x="0" y="0"/>
+          <a:ext cx="0" cy="0"/>
+          <a:chOff x="0" y="0"/>
+          <a:chExt cx="0" cy="0"/>
+        </a:xfrm>
+      </p:grpSpPr>
+      <p:pic>
+        <p:nvPicPr>
+          <p:cNvPr id="3" name="Picture 2" descr="A picture containing diagram&#10;&#10;Description automatically generated">
+            <a:extLst>
+              <a:ext uri="{FF2B5EF4-FFF2-40B4-BE49-F238E27FC236}">
+                <a16:creationId xmlns:a16="http://schemas.microsoft.com/office/drawing/2014/main" id="{37DD9D16-3FE9-1647-B7D0-583269CBEB63}"/>
+              </a:ext>
+            </a:extLst>
+          </p:cNvPr>
+          <p:cNvPicPr>
+            <a:picLocks noChangeAspect="1"/>
+          </p:cNvPicPr>
+          <p:nvPr/>
+        </p:nvPicPr>
+        <p:blipFill>
+          <a:blip r:embed="rId2">
+            <a:extLst>
+              <a:ext uri="{28A0092B-C50C-407E-A947-70E740481C1C}">
+                <a14:useLocalDpi xmlns:a14="http://schemas.microsoft.com/office/drawing/2010/main" val="0"/>
+              </a:ext>
+            </a:extLst>
+          </a:blip>
+          <a:stretch>
+            <a:fillRect/>
+          </a:stretch>
+        </p:blipFill>
+        <p:spPr>
+          <a:xfrm>
+            <a:off x="2133600" y="1600200"/>
+            <a:ext cx="3997569" cy="4724400"/>
+          </a:xfrm>
+          <a:prstGeom prst="rect">
+            <a:avLst/>
+          </a:prstGeom>
+        </p:spPr>
+      </p:pic>
+    </p:spTree>
+    <p:extLst>
+      <p:ext uri="{BB962C8B-B14F-4D97-AF65-F5344CB8AC3E}">
+        <p14:creationId xmlns:p14="http://schemas.microsoft.com/office/powerpoint/2010/main" val="975439513"/>
+      </p:ext>
+    </p:extLst>
+  </p:cSld>
+  <p:clrMapOvr>
+    <a:masterClrMapping/>
+  </p:clrMapOvr>
+</p:sld>
+</file>
+
+<file path=ppt/slides/slide65.xml><?xml version="1.0" encoding="utf-8"?>
+<p:sld xmlns:a="http://schemas.openxmlformats.org/drawingml/2006/main" xmlns:r="http://schemas.openxmlformats.org/officeDocument/2006/relationships" xmlns:p="http://schemas.openxmlformats.org/presentationml/2006/main">
+  <p:cSld>
+    <p:spTree>
+      <p:nvGrpSpPr>
+        <p:cNvPr id="1" name=""/>
+        <p:cNvGrpSpPr/>
+        <p:nvPr/>
+      </p:nvGrpSpPr>
+      <p:grpSpPr>
+        <a:xfrm>
+          <a:off x="0" y="0"/>
+          <a:ext cx="0" cy="0"/>
+          <a:chOff x="0" y="0"/>
+          <a:chExt cx="0" cy="0"/>
+        </a:xfrm>
+      </p:grpSpPr>
+      <p:pic>
+        <p:nvPicPr>
+          <p:cNvPr id="6" name="Picture 5" descr="A picture containing diagram&#10;&#10;Description automatically generated">
+            <a:extLst>
+              <a:ext uri="{FF2B5EF4-FFF2-40B4-BE49-F238E27FC236}">
+                <a16:creationId xmlns:a16="http://schemas.microsoft.com/office/drawing/2014/main" id="{1CB8B7E1-CAAC-BA4E-B488-D280143834DE}"/>
+              </a:ext>
+            </a:extLst>
+          </p:cNvPr>
+          <p:cNvPicPr>
+            <a:picLocks noChangeAspect="1"/>
+          </p:cNvPicPr>
+          <p:nvPr/>
+        </p:nvPicPr>
+        <p:blipFill>
+          <a:blip r:embed="rId2">
+            <a:extLst>
+              <a:ext uri="{28A0092B-C50C-407E-A947-70E740481C1C}">
+                <a14:useLocalDpi xmlns:a14="http://schemas.microsoft.com/office/drawing/2010/main" val="0"/>
+              </a:ext>
+            </a:extLst>
+          </a:blip>
+          <a:stretch>
+            <a:fillRect/>
+          </a:stretch>
+        </p:blipFill>
+        <p:spPr>
+          <a:xfrm>
+            <a:off x="2133599" y="1778000"/>
+            <a:ext cx="3589215" cy="4241800"/>
+          </a:xfrm>
+          <a:prstGeom prst="rect">
+            <a:avLst/>
+          </a:prstGeom>
+        </p:spPr>
+      </p:pic>
+    </p:spTree>
+    <p:extLst>
+      <p:ext uri="{BB962C8B-B14F-4D97-AF65-F5344CB8AC3E}">
+        <p14:creationId xmlns:p14="http://schemas.microsoft.com/office/powerpoint/2010/main" val="3663127039"/>
+      </p:ext>
+    </p:extLst>
+  </p:cSld>
+  <p:clrMapOvr>
+    <a:masterClrMapping/>
+  </p:clrMapOvr>
+</p:sld>
+</file>
+
+<file path=ppt/slides/slide66.xml><?xml version="1.0" encoding="utf-8"?>
+<p:sld xmlns:a="http://schemas.openxmlformats.org/drawingml/2006/main" xmlns:r="http://schemas.openxmlformats.org/officeDocument/2006/relationships" xmlns:p="http://schemas.openxmlformats.org/presentationml/2006/main">
+  <p:cSld>
+    <p:spTree>
+      <p:nvGrpSpPr>
+        <p:cNvPr id="1" name=""/>
+        <p:cNvGrpSpPr/>
+        <p:nvPr/>
+      </p:nvGrpSpPr>
+      <p:grpSpPr>
+        <a:xfrm>
+          <a:off x="0" y="0"/>
+          <a:ext cx="0" cy="0"/>
+          <a:chOff x="0" y="0"/>
+          <a:chExt cx="0" cy="0"/>
+        </a:xfrm>
+      </p:grpSpPr>
+      <p:pic>
+        <p:nvPicPr>
+          <p:cNvPr id="3" name="Picture 2" descr="A picture containing diagram&#10;&#10;Description automatically generated">
+            <a:extLst>
+              <a:ext uri="{FF2B5EF4-FFF2-40B4-BE49-F238E27FC236}">
+                <a16:creationId xmlns:a16="http://schemas.microsoft.com/office/drawing/2014/main" id="{CF6F4305-ABD9-0541-A3CD-64C7C2D8891C}"/>
+              </a:ext>
+            </a:extLst>
+          </p:cNvPr>
+          <p:cNvPicPr>
+            <a:picLocks noChangeAspect="1"/>
+          </p:cNvPicPr>
+          <p:nvPr/>
+        </p:nvPicPr>
+        <p:blipFill>
+          <a:blip r:embed="rId2">
+            <a:extLst>
+              <a:ext uri="{28A0092B-C50C-407E-A947-70E740481C1C}">
+                <a14:useLocalDpi xmlns:a14="http://schemas.microsoft.com/office/drawing/2010/main" val="0"/>
+              </a:ext>
+            </a:extLst>
+          </a:blip>
+          <a:stretch>
+            <a:fillRect/>
+          </a:stretch>
+        </p:blipFill>
+        <p:spPr>
+          <a:xfrm>
+            <a:off x="1981200" y="1676399"/>
+            <a:ext cx="3810000" cy="4502727"/>
+          </a:xfrm>
+          <a:prstGeom prst="rect">
+            <a:avLst/>
+          </a:prstGeom>
+        </p:spPr>
+      </p:pic>
+    </p:spTree>
+    <p:extLst>
+      <p:ext uri="{BB962C8B-B14F-4D97-AF65-F5344CB8AC3E}">
+        <p14:creationId xmlns:p14="http://schemas.microsoft.com/office/powerpoint/2010/main" val="81267385"/>
       </p:ext>
     </p:extLst>
   </p:cSld>
